--- a/integration.pptx
+++ b/integration.pptx
@@ -121,6 +121,11 @@
       </a:defRPr>
     </a:lvl9pPr>
   </p:defaultTextStyle>
+  <p:extLst>
+    <p:ext uri="{EFAFB233-063F-42B5-8137-9DF3F51BA10A}">
+      <p15:sldGuideLst xmlns:p15="http://schemas.microsoft.com/office/powerpoint/2012/main"/>
+    </p:ext>
+  </p:extLst>
 </p:presentation>
 </file>
 
@@ -255,7 +260,7 @@
           <a:p>
             <a:fld id="{C1D16ED1-21E1-467F-A6E2-EA9E5B2B328D}" type="datetimeFigureOut">
               <a:rPr lang="en-US" smtClean="0"/>
-              <a:t>10/31/2017</a:t>
+              <a:t>11/2/2017</a:t>
             </a:fld>
             <a:endParaRPr lang="en-US"/>
           </a:p>
@@ -425,7 +430,7 @@
           <a:p>
             <a:fld id="{C1D16ED1-21E1-467F-A6E2-EA9E5B2B328D}" type="datetimeFigureOut">
               <a:rPr lang="en-US" smtClean="0"/>
-              <a:t>10/31/2017</a:t>
+              <a:t>11/2/2017</a:t>
             </a:fld>
             <a:endParaRPr lang="en-US"/>
           </a:p>
@@ -605,7 +610,7 @@
           <a:p>
             <a:fld id="{C1D16ED1-21E1-467F-A6E2-EA9E5B2B328D}" type="datetimeFigureOut">
               <a:rPr lang="en-US" smtClean="0"/>
-              <a:t>10/31/2017</a:t>
+              <a:t>11/2/2017</a:t>
             </a:fld>
             <a:endParaRPr lang="en-US"/>
           </a:p>
@@ -775,7 +780,7 @@
           <a:p>
             <a:fld id="{C1D16ED1-21E1-467F-A6E2-EA9E5B2B328D}" type="datetimeFigureOut">
               <a:rPr lang="en-US" smtClean="0"/>
-              <a:t>10/31/2017</a:t>
+              <a:t>11/2/2017</a:t>
             </a:fld>
             <a:endParaRPr lang="en-US"/>
           </a:p>
@@ -1019,7 +1024,7 @@
           <a:p>
             <a:fld id="{C1D16ED1-21E1-467F-A6E2-EA9E5B2B328D}" type="datetimeFigureOut">
               <a:rPr lang="en-US" smtClean="0"/>
-              <a:t>10/31/2017</a:t>
+              <a:t>11/2/2017</a:t>
             </a:fld>
             <a:endParaRPr lang="en-US"/>
           </a:p>
@@ -1251,7 +1256,7 @@
           <a:p>
             <a:fld id="{C1D16ED1-21E1-467F-A6E2-EA9E5B2B328D}" type="datetimeFigureOut">
               <a:rPr lang="en-US" smtClean="0"/>
-              <a:t>10/31/2017</a:t>
+              <a:t>11/2/2017</a:t>
             </a:fld>
             <a:endParaRPr lang="en-US"/>
           </a:p>
@@ -1618,7 +1623,7 @@
           <a:p>
             <a:fld id="{C1D16ED1-21E1-467F-A6E2-EA9E5B2B328D}" type="datetimeFigureOut">
               <a:rPr lang="en-US" smtClean="0"/>
-              <a:t>10/31/2017</a:t>
+              <a:t>11/2/2017</a:t>
             </a:fld>
             <a:endParaRPr lang="en-US"/>
           </a:p>
@@ -1736,7 +1741,7 @@
           <a:p>
             <a:fld id="{C1D16ED1-21E1-467F-A6E2-EA9E5B2B328D}" type="datetimeFigureOut">
               <a:rPr lang="en-US" smtClean="0"/>
-              <a:t>10/31/2017</a:t>
+              <a:t>11/2/2017</a:t>
             </a:fld>
             <a:endParaRPr lang="en-US"/>
           </a:p>
@@ -1831,7 +1836,7 @@
           <a:p>
             <a:fld id="{C1D16ED1-21E1-467F-A6E2-EA9E5B2B328D}" type="datetimeFigureOut">
               <a:rPr lang="en-US" smtClean="0"/>
-              <a:t>10/31/2017</a:t>
+              <a:t>11/2/2017</a:t>
             </a:fld>
             <a:endParaRPr lang="en-US"/>
           </a:p>
@@ -2108,7 +2113,7 @@
           <a:p>
             <a:fld id="{C1D16ED1-21E1-467F-A6E2-EA9E5B2B328D}" type="datetimeFigureOut">
               <a:rPr lang="en-US" smtClean="0"/>
-              <a:t>10/31/2017</a:t>
+              <a:t>11/2/2017</a:t>
             </a:fld>
             <a:endParaRPr lang="en-US"/>
           </a:p>
@@ -2365,7 +2370,7 @@
           <a:p>
             <a:fld id="{C1D16ED1-21E1-467F-A6E2-EA9E5B2B328D}" type="datetimeFigureOut">
               <a:rPr lang="en-US" smtClean="0"/>
-              <a:t>10/31/2017</a:t>
+              <a:t>11/2/2017</a:t>
             </a:fld>
             <a:endParaRPr lang="en-US"/>
           </a:p>
@@ -2578,7 +2583,7 @@
           <a:p>
             <a:fld id="{C1D16ED1-21E1-467F-A6E2-EA9E5B2B328D}" type="datetimeFigureOut">
               <a:rPr lang="en-US" smtClean="0"/>
-              <a:t>10/31/2017</a:t>
+              <a:t>11/2/2017</a:t>
             </a:fld>
             <a:endParaRPr lang="en-US"/>
           </a:p>
@@ -3002,7 +3007,7 @@
           <p:cNvPr id="2" name="Title 1">
             <a:extLst>
               <a:ext uri="{FF2B5EF4-FFF2-40B4-BE49-F238E27FC236}">
-                <a16:creationId xmlns:a16="http://schemas.microsoft.com/office/drawing/2014/main" id="{2CFAB188-168C-4BE0-80A0-7F6C712FFF3C}"/>
+                <a16:creationId xmlns:a16="http://schemas.microsoft.com/office/drawing/2014/main" xmlns="" id="{2CFAB188-168C-4BE0-80A0-7F6C712FFF3C}"/>
               </a:ext>
             </a:extLst>
           </p:cNvPr>
@@ -3030,7 +3035,7 @@
           <p:cNvPr id="3" name="Subtitle 2">
             <a:extLst>
               <a:ext uri="{FF2B5EF4-FFF2-40B4-BE49-F238E27FC236}">
-                <a16:creationId xmlns:a16="http://schemas.microsoft.com/office/drawing/2014/main" id="{FC5496F8-B788-4FF5-B534-D9658098C1D0}"/>
+                <a16:creationId xmlns:a16="http://schemas.microsoft.com/office/drawing/2014/main" xmlns="" id="{FC5496F8-B788-4FF5-B534-D9658098C1D0}"/>
               </a:ext>
             </a:extLst>
           </p:cNvPr>
@@ -3085,7 +3090,7 @@
           <p:cNvPr id="2" name="Title 1">
             <a:extLst>
               <a:ext uri="{FF2B5EF4-FFF2-40B4-BE49-F238E27FC236}">
-                <a16:creationId xmlns:a16="http://schemas.microsoft.com/office/drawing/2014/main" id="{746E0923-4BA7-48E2-A3C5-55EF455EEE5B}"/>
+                <a16:creationId xmlns:a16="http://schemas.microsoft.com/office/drawing/2014/main" xmlns="" id="{746E0923-4BA7-48E2-A3C5-55EF455EEE5B}"/>
               </a:ext>
             </a:extLst>
           </p:cNvPr>
@@ -3110,7 +3115,7 @@
           <p:cNvPr id="4" name="Picture 3">
             <a:extLst>
               <a:ext uri="{FF2B5EF4-FFF2-40B4-BE49-F238E27FC236}">
-                <a16:creationId xmlns:a16="http://schemas.microsoft.com/office/drawing/2014/main" id="{09935299-12A8-4730-AC37-AFCE51C26872}"/>
+                <a16:creationId xmlns:a16="http://schemas.microsoft.com/office/drawing/2014/main" xmlns="" id="{09935299-12A8-4730-AC37-AFCE51C26872}"/>
               </a:ext>
             </a:extLst>
           </p:cNvPr>
@@ -3170,7 +3175,7 @@
           <p:cNvPr id="2" name="Title 1">
             <a:extLst>
               <a:ext uri="{FF2B5EF4-FFF2-40B4-BE49-F238E27FC236}">
-                <a16:creationId xmlns:a16="http://schemas.microsoft.com/office/drawing/2014/main" id="{746E0923-4BA7-48E2-A3C5-55EF455EEE5B}"/>
+                <a16:creationId xmlns:a16="http://schemas.microsoft.com/office/drawing/2014/main" xmlns="" id="{746E0923-4BA7-48E2-A3C5-55EF455EEE5B}"/>
               </a:ext>
             </a:extLst>
           </p:cNvPr>
@@ -3195,7 +3200,7 @@
           <p:cNvPr id="4" name="Picture 3">
             <a:extLst>
               <a:ext uri="{FF2B5EF4-FFF2-40B4-BE49-F238E27FC236}">
-                <a16:creationId xmlns:a16="http://schemas.microsoft.com/office/drawing/2014/main" id="{09935299-12A8-4730-AC37-AFCE51C26872}"/>
+                <a16:creationId xmlns:a16="http://schemas.microsoft.com/office/drawing/2014/main" xmlns="" id="{09935299-12A8-4730-AC37-AFCE51C26872}"/>
               </a:ext>
             </a:extLst>
           </p:cNvPr>
@@ -3225,7 +3230,7 @@
           <p:cNvPr id="5" name="Picture 4">
             <a:extLst>
               <a:ext uri="{FF2B5EF4-FFF2-40B4-BE49-F238E27FC236}">
-                <a16:creationId xmlns:a16="http://schemas.microsoft.com/office/drawing/2014/main" id="{936B7513-2CA6-4679-B0C0-E16963BDEE5B}"/>
+                <a16:creationId xmlns:a16="http://schemas.microsoft.com/office/drawing/2014/main" xmlns="" id="{936B7513-2CA6-4679-B0C0-E16963BDEE5B}"/>
               </a:ext>
             </a:extLst>
           </p:cNvPr>
@@ -3255,7 +3260,7 @@
           <p:cNvPr id="9" name="Content Placeholder 8">
             <a:extLst>
               <a:ext uri="{FF2B5EF4-FFF2-40B4-BE49-F238E27FC236}">
-                <a16:creationId xmlns:a16="http://schemas.microsoft.com/office/drawing/2014/main" id="{0C4A1AF7-F704-478D-9D91-2DE2672F4D28}"/>
+                <a16:creationId xmlns:a16="http://schemas.microsoft.com/office/drawing/2014/main" xmlns="" id="{0C4A1AF7-F704-478D-9D91-2DE2672F4D28}"/>
               </a:ext>
             </a:extLst>
           </p:cNvPr>
@@ -3310,7 +3315,7 @@
           <p:cNvPr id="2" name="Title 1">
             <a:extLst>
               <a:ext uri="{FF2B5EF4-FFF2-40B4-BE49-F238E27FC236}">
-                <a16:creationId xmlns:a16="http://schemas.microsoft.com/office/drawing/2014/main" id="{746E0923-4BA7-48E2-A3C5-55EF455EEE5B}"/>
+                <a16:creationId xmlns:a16="http://schemas.microsoft.com/office/drawing/2014/main" xmlns="" id="{746E0923-4BA7-48E2-A3C5-55EF455EEE5B}"/>
               </a:ext>
             </a:extLst>
           </p:cNvPr>
@@ -3335,7 +3340,7 @@
           <p:cNvPr id="6" name="Content Placeholder 5">
             <a:extLst>
               <a:ext uri="{FF2B5EF4-FFF2-40B4-BE49-F238E27FC236}">
-                <a16:creationId xmlns:a16="http://schemas.microsoft.com/office/drawing/2014/main" id="{6EBF62B3-E089-4F0C-AD43-B9CAC9EC4169}"/>
+                <a16:creationId xmlns:a16="http://schemas.microsoft.com/office/drawing/2014/main" xmlns="" id="{6EBF62B3-E089-4F0C-AD43-B9CAC9EC4169}"/>
               </a:ext>
             </a:extLst>
           </p:cNvPr>
@@ -3367,7 +3372,7 @@
           <p:cNvPr id="4" name="Picture 3">
             <a:extLst>
               <a:ext uri="{FF2B5EF4-FFF2-40B4-BE49-F238E27FC236}">
-                <a16:creationId xmlns:a16="http://schemas.microsoft.com/office/drawing/2014/main" id="{09935299-12A8-4730-AC37-AFCE51C26872}"/>
+                <a16:creationId xmlns:a16="http://schemas.microsoft.com/office/drawing/2014/main" xmlns="" id="{09935299-12A8-4730-AC37-AFCE51C26872}"/>
               </a:ext>
             </a:extLst>
           </p:cNvPr>
@@ -3397,7 +3402,7 @@
           <p:cNvPr id="5" name="Picture 4">
             <a:extLst>
               <a:ext uri="{FF2B5EF4-FFF2-40B4-BE49-F238E27FC236}">
-                <a16:creationId xmlns:a16="http://schemas.microsoft.com/office/drawing/2014/main" id="{936B7513-2CA6-4679-B0C0-E16963BDEE5B}"/>
+                <a16:creationId xmlns:a16="http://schemas.microsoft.com/office/drawing/2014/main" xmlns="" id="{936B7513-2CA6-4679-B0C0-E16963BDEE5B}"/>
               </a:ext>
             </a:extLst>
           </p:cNvPr>
@@ -3457,7 +3462,7 @@
           <p:cNvPr id="2" name="Title 1">
             <a:extLst>
               <a:ext uri="{FF2B5EF4-FFF2-40B4-BE49-F238E27FC236}">
-                <a16:creationId xmlns:a16="http://schemas.microsoft.com/office/drawing/2014/main" id="{746E0923-4BA7-48E2-A3C5-55EF455EEE5B}"/>
+                <a16:creationId xmlns:a16="http://schemas.microsoft.com/office/drawing/2014/main" xmlns="" id="{746E0923-4BA7-48E2-A3C5-55EF455EEE5B}"/>
               </a:ext>
             </a:extLst>
           </p:cNvPr>
@@ -3482,7 +3487,7 @@
           <p:cNvPr id="6" name="Content Placeholder 5">
             <a:extLst>
               <a:ext uri="{FF2B5EF4-FFF2-40B4-BE49-F238E27FC236}">
-                <a16:creationId xmlns:a16="http://schemas.microsoft.com/office/drawing/2014/main" id="{6EBF62B3-E089-4F0C-AD43-B9CAC9EC4169}"/>
+                <a16:creationId xmlns:a16="http://schemas.microsoft.com/office/drawing/2014/main" xmlns="" id="{6EBF62B3-E089-4F0C-AD43-B9CAC9EC4169}"/>
               </a:ext>
             </a:extLst>
           </p:cNvPr>
@@ -3514,7 +3519,7 @@
           <p:cNvPr id="4" name="Picture 3">
             <a:extLst>
               <a:ext uri="{FF2B5EF4-FFF2-40B4-BE49-F238E27FC236}">
-                <a16:creationId xmlns:a16="http://schemas.microsoft.com/office/drawing/2014/main" id="{09935299-12A8-4730-AC37-AFCE51C26872}"/>
+                <a16:creationId xmlns:a16="http://schemas.microsoft.com/office/drawing/2014/main" xmlns="" id="{09935299-12A8-4730-AC37-AFCE51C26872}"/>
               </a:ext>
             </a:extLst>
           </p:cNvPr>
@@ -3544,7 +3549,7 @@
           <p:cNvPr id="5" name="Picture 4">
             <a:extLst>
               <a:ext uri="{FF2B5EF4-FFF2-40B4-BE49-F238E27FC236}">
-                <a16:creationId xmlns:a16="http://schemas.microsoft.com/office/drawing/2014/main" id="{936B7513-2CA6-4679-B0C0-E16963BDEE5B}"/>
+                <a16:creationId xmlns:a16="http://schemas.microsoft.com/office/drawing/2014/main" xmlns="" id="{936B7513-2CA6-4679-B0C0-E16963BDEE5B}"/>
               </a:ext>
             </a:extLst>
           </p:cNvPr>
@@ -3574,7 +3579,7 @@
           <p:cNvPr id="7" name="Picture 6">
             <a:extLst>
               <a:ext uri="{FF2B5EF4-FFF2-40B4-BE49-F238E27FC236}">
-                <a16:creationId xmlns:a16="http://schemas.microsoft.com/office/drawing/2014/main" id="{C6B12BD9-E7E6-439A-8C6A-964AAB0C7CE5}"/>
+                <a16:creationId xmlns:a16="http://schemas.microsoft.com/office/drawing/2014/main" xmlns="" id="{C6B12BD9-E7E6-439A-8C6A-964AAB0C7CE5}"/>
               </a:ext>
             </a:extLst>
           </p:cNvPr>
@@ -3634,7 +3639,7 @@
           <p:cNvPr id="2" name="Title 1">
             <a:extLst>
               <a:ext uri="{FF2B5EF4-FFF2-40B4-BE49-F238E27FC236}">
-                <a16:creationId xmlns:a16="http://schemas.microsoft.com/office/drawing/2014/main" id="{746E0923-4BA7-48E2-A3C5-55EF455EEE5B}"/>
+                <a16:creationId xmlns:a16="http://schemas.microsoft.com/office/drawing/2014/main" xmlns="" id="{746E0923-4BA7-48E2-A3C5-55EF455EEE5B}"/>
               </a:ext>
             </a:extLst>
           </p:cNvPr>
@@ -3659,7 +3664,7 @@
           <p:cNvPr id="6" name="Content Placeholder 5">
             <a:extLst>
               <a:ext uri="{FF2B5EF4-FFF2-40B4-BE49-F238E27FC236}">
-                <a16:creationId xmlns:a16="http://schemas.microsoft.com/office/drawing/2014/main" id="{6EBF62B3-E089-4F0C-AD43-B9CAC9EC4169}"/>
+                <a16:creationId xmlns:a16="http://schemas.microsoft.com/office/drawing/2014/main" xmlns="" id="{6EBF62B3-E089-4F0C-AD43-B9CAC9EC4169}"/>
               </a:ext>
             </a:extLst>
           </p:cNvPr>
@@ -3691,7 +3696,7 @@
           <p:cNvPr id="4" name="Picture 3">
             <a:extLst>
               <a:ext uri="{FF2B5EF4-FFF2-40B4-BE49-F238E27FC236}">
-                <a16:creationId xmlns:a16="http://schemas.microsoft.com/office/drawing/2014/main" id="{09935299-12A8-4730-AC37-AFCE51C26872}"/>
+                <a16:creationId xmlns:a16="http://schemas.microsoft.com/office/drawing/2014/main" xmlns="" id="{09935299-12A8-4730-AC37-AFCE51C26872}"/>
               </a:ext>
             </a:extLst>
           </p:cNvPr>
@@ -3721,7 +3726,7 @@
           <p:cNvPr id="5" name="Picture 4">
             <a:extLst>
               <a:ext uri="{FF2B5EF4-FFF2-40B4-BE49-F238E27FC236}">
-                <a16:creationId xmlns:a16="http://schemas.microsoft.com/office/drawing/2014/main" id="{936B7513-2CA6-4679-B0C0-E16963BDEE5B}"/>
+                <a16:creationId xmlns:a16="http://schemas.microsoft.com/office/drawing/2014/main" xmlns="" id="{936B7513-2CA6-4679-B0C0-E16963BDEE5B}"/>
               </a:ext>
             </a:extLst>
           </p:cNvPr>
@@ -3751,7 +3756,7 @@
           <p:cNvPr id="7" name="Picture 6">
             <a:extLst>
               <a:ext uri="{FF2B5EF4-FFF2-40B4-BE49-F238E27FC236}">
-                <a16:creationId xmlns:a16="http://schemas.microsoft.com/office/drawing/2014/main" id="{C6B12BD9-E7E6-439A-8C6A-964AAB0C7CE5}"/>
+                <a16:creationId xmlns:a16="http://schemas.microsoft.com/office/drawing/2014/main" xmlns="" id="{C6B12BD9-E7E6-439A-8C6A-964AAB0C7CE5}"/>
               </a:ext>
             </a:extLst>
           </p:cNvPr>
@@ -3781,7 +3786,7 @@
           <p:cNvPr id="8" name="Picture 7">
             <a:extLst>
               <a:ext uri="{FF2B5EF4-FFF2-40B4-BE49-F238E27FC236}">
-                <a16:creationId xmlns:a16="http://schemas.microsoft.com/office/drawing/2014/main" id="{5E99652D-5164-4B4E-BA57-D51E245D8CE8}"/>
+                <a16:creationId xmlns:a16="http://schemas.microsoft.com/office/drawing/2014/main" xmlns="" id="{5E99652D-5164-4B4E-BA57-D51E245D8CE8}"/>
               </a:ext>
             </a:extLst>
           </p:cNvPr>
@@ -3841,7 +3846,7 @@
           <p:cNvPr id="2" name="Title 1">
             <a:extLst>
               <a:ext uri="{FF2B5EF4-FFF2-40B4-BE49-F238E27FC236}">
-                <a16:creationId xmlns:a16="http://schemas.microsoft.com/office/drawing/2014/main" id="{57DC640B-6A45-44F5-8AC6-F8D628399A32}"/>
+                <a16:creationId xmlns:a16="http://schemas.microsoft.com/office/drawing/2014/main" xmlns="" id="{57DC640B-6A45-44F5-8AC6-F8D628399A32}"/>
               </a:ext>
             </a:extLst>
           </p:cNvPr>
@@ -3866,7 +3871,7 @@
           <p:cNvPr id="3" name="Content Placeholder 2">
             <a:extLst>
               <a:ext uri="{FF2B5EF4-FFF2-40B4-BE49-F238E27FC236}">
-                <a16:creationId xmlns:a16="http://schemas.microsoft.com/office/drawing/2014/main" id="{A350A6CB-B159-41D0-B0BC-EF74B67726AA}"/>
+                <a16:creationId xmlns:a16="http://schemas.microsoft.com/office/drawing/2014/main" xmlns="" id="{A350A6CB-B159-41D0-B0BC-EF74B67726AA}"/>
               </a:ext>
             </a:extLst>
           </p:cNvPr>
@@ -3891,7 +3896,7 @@
           <p:cNvPr id="4" name="Picture 3">
             <a:extLst>
               <a:ext uri="{FF2B5EF4-FFF2-40B4-BE49-F238E27FC236}">
-                <a16:creationId xmlns:a16="http://schemas.microsoft.com/office/drawing/2014/main" id="{EE8E8394-C170-497E-A591-276276E4213C}"/>
+                <a16:creationId xmlns:a16="http://schemas.microsoft.com/office/drawing/2014/main" xmlns="" id="{EE8E8394-C170-497E-A591-276276E4213C}"/>
               </a:ext>
             </a:extLst>
           </p:cNvPr>
@@ -3951,7 +3956,7 @@
           <p:cNvPr id="2" name="Title 1">
             <a:extLst>
               <a:ext uri="{FF2B5EF4-FFF2-40B4-BE49-F238E27FC236}">
-                <a16:creationId xmlns:a16="http://schemas.microsoft.com/office/drawing/2014/main" id="{57DC640B-6A45-44F5-8AC6-F8D628399A32}"/>
+                <a16:creationId xmlns:a16="http://schemas.microsoft.com/office/drawing/2014/main" xmlns="" id="{57DC640B-6A45-44F5-8AC6-F8D628399A32}"/>
               </a:ext>
             </a:extLst>
           </p:cNvPr>
@@ -3976,7 +3981,7 @@
           <p:cNvPr id="3" name="Content Placeholder 2">
             <a:extLst>
               <a:ext uri="{FF2B5EF4-FFF2-40B4-BE49-F238E27FC236}">
-                <a16:creationId xmlns:a16="http://schemas.microsoft.com/office/drawing/2014/main" id="{A350A6CB-B159-41D0-B0BC-EF74B67726AA}"/>
+                <a16:creationId xmlns:a16="http://schemas.microsoft.com/office/drawing/2014/main" xmlns="" id="{A350A6CB-B159-41D0-B0BC-EF74B67726AA}"/>
               </a:ext>
             </a:extLst>
           </p:cNvPr>
@@ -4001,7 +4006,7 @@
           <p:cNvPr id="4" name="Picture 3">
             <a:extLst>
               <a:ext uri="{FF2B5EF4-FFF2-40B4-BE49-F238E27FC236}">
-                <a16:creationId xmlns:a16="http://schemas.microsoft.com/office/drawing/2014/main" id="{EE8E8394-C170-497E-A591-276276E4213C}"/>
+                <a16:creationId xmlns:a16="http://schemas.microsoft.com/office/drawing/2014/main" xmlns="" id="{EE8E8394-C170-497E-A591-276276E4213C}"/>
               </a:ext>
             </a:extLst>
           </p:cNvPr>
@@ -4031,7 +4036,7 @@
           <p:cNvPr id="5" name="Picture 4">
             <a:extLst>
               <a:ext uri="{FF2B5EF4-FFF2-40B4-BE49-F238E27FC236}">
-                <a16:creationId xmlns:a16="http://schemas.microsoft.com/office/drawing/2014/main" id="{AFE8E80B-85C4-4D30-A44C-4E2373037AB6}"/>
+                <a16:creationId xmlns:a16="http://schemas.microsoft.com/office/drawing/2014/main" xmlns="" id="{AFE8E80B-85C4-4D30-A44C-4E2373037AB6}"/>
               </a:ext>
             </a:extLst>
           </p:cNvPr>
@@ -4091,7 +4096,7 @@
           <p:cNvPr id="2" name="Title 1">
             <a:extLst>
               <a:ext uri="{FF2B5EF4-FFF2-40B4-BE49-F238E27FC236}">
-                <a16:creationId xmlns:a16="http://schemas.microsoft.com/office/drawing/2014/main" id="{57DC640B-6A45-44F5-8AC6-F8D628399A32}"/>
+                <a16:creationId xmlns:a16="http://schemas.microsoft.com/office/drawing/2014/main" xmlns="" id="{57DC640B-6A45-44F5-8AC6-F8D628399A32}"/>
               </a:ext>
             </a:extLst>
           </p:cNvPr>
@@ -4116,7 +4121,7 @@
           <p:cNvPr id="3" name="Content Placeholder 2">
             <a:extLst>
               <a:ext uri="{FF2B5EF4-FFF2-40B4-BE49-F238E27FC236}">
-                <a16:creationId xmlns:a16="http://schemas.microsoft.com/office/drawing/2014/main" id="{A350A6CB-B159-41D0-B0BC-EF74B67726AA}"/>
+                <a16:creationId xmlns:a16="http://schemas.microsoft.com/office/drawing/2014/main" xmlns="" id="{A350A6CB-B159-41D0-B0BC-EF74B67726AA}"/>
               </a:ext>
             </a:extLst>
           </p:cNvPr>
@@ -4141,7 +4146,7 @@
           <p:cNvPr id="4" name="Picture 3">
             <a:extLst>
               <a:ext uri="{FF2B5EF4-FFF2-40B4-BE49-F238E27FC236}">
-                <a16:creationId xmlns:a16="http://schemas.microsoft.com/office/drawing/2014/main" id="{EE8E8394-C170-497E-A591-276276E4213C}"/>
+                <a16:creationId xmlns:a16="http://schemas.microsoft.com/office/drawing/2014/main" xmlns="" id="{EE8E8394-C170-497E-A591-276276E4213C}"/>
               </a:ext>
             </a:extLst>
           </p:cNvPr>
@@ -4171,7 +4176,7 @@
           <p:cNvPr id="5" name="Picture 4">
             <a:extLst>
               <a:ext uri="{FF2B5EF4-FFF2-40B4-BE49-F238E27FC236}">
-                <a16:creationId xmlns:a16="http://schemas.microsoft.com/office/drawing/2014/main" id="{AFE8E80B-85C4-4D30-A44C-4E2373037AB6}"/>
+                <a16:creationId xmlns:a16="http://schemas.microsoft.com/office/drawing/2014/main" xmlns="" id="{AFE8E80B-85C4-4D30-A44C-4E2373037AB6}"/>
               </a:ext>
             </a:extLst>
           </p:cNvPr>
@@ -4201,7 +4206,7 @@
           <p:cNvPr id="6" name="Picture 5">
             <a:extLst>
               <a:ext uri="{FF2B5EF4-FFF2-40B4-BE49-F238E27FC236}">
-                <a16:creationId xmlns:a16="http://schemas.microsoft.com/office/drawing/2014/main" id="{43C64F37-163D-43DC-B914-CE41318ECBE4}"/>
+                <a16:creationId xmlns:a16="http://schemas.microsoft.com/office/drawing/2014/main" xmlns="" id="{43C64F37-163D-43DC-B914-CE41318ECBE4}"/>
               </a:ext>
             </a:extLst>
           </p:cNvPr>
@@ -4261,7 +4266,7 @@
           <p:cNvPr id="2" name="Title 1">
             <a:extLst>
               <a:ext uri="{FF2B5EF4-FFF2-40B4-BE49-F238E27FC236}">
-                <a16:creationId xmlns:a16="http://schemas.microsoft.com/office/drawing/2014/main" id="{57DC640B-6A45-44F5-8AC6-F8D628399A32}"/>
+                <a16:creationId xmlns:a16="http://schemas.microsoft.com/office/drawing/2014/main" xmlns="" id="{57DC640B-6A45-44F5-8AC6-F8D628399A32}"/>
               </a:ext>
             </a:extLst>
           </p:cNvPr>
@@ -4286,7 +4291,7 @@
           <p:cNvPr id="3" name="Content Placeholder 2">
             <a:extLst>
               <a:ext uri="{FF2B5EF4-FFF2-40B4-BE49-F238E27FC236}">
-                <a16:creationId xmlns:a16="http://schemas.microsoft.com/office/drawing/2014/main" id="{A350A6CB-B159-41D0-B0BC-EF74B67726AA}"/>
+                <a16:creationId xmlns:a16="http://schemas.microsoft.com/office/drawing/2014/main" xmlns="" id="{A350A6CB-B159-41D0-B0BC-EF74B67726AA}"/>
               </a:ext>
             </a:extLst>
           </p:cNvPr>
@@ -4311,7 +4316,7 @@
           <p:cNvPr id="4" name="Picture 3">
             <a:extLst>
               <a:ext uri="{FF2B5EF4-FFF2-40B4-BE49-F238E27FC236}">
-                <a16:creationId xmlns:a16="http://schemas.microsoft.com/office/drawing/2014/main" id="{EE8E8394-C170-497E-A591-276276E4213C}"/>
+                <a16:creationId xmlns:a16="http://schemas.microsoft.com/office/drawing/2014/main" xmlns="" id="{EE8E8394-C170-497E-A591-276276E4213C}"/>
               </a:ext>
             </a:extLst>
           </p:cNvPr>
@@ -4341,7 +4346,7 @@
           <p:cNvPr id="5" name="Picture 4">
             <a:extLst>
               <a:ext uri="{FF2B5EF4-FFF2-40B4-BE49-F238E27FC236}">
-                <a16:creationId xmlns:a16="http://schemas.microsoft.com/office/drawing/2014/main" id="{AFE8E80B-85C4-4D30-A44C-4E2373037AB6}"/>
+                <a16:creationId xmlns:a16="http://schemas.microsoft.com/office/drawing/2014/main" xmlns="" id="{AFE8E80B-85C4-4D30-A44C-4E2373037AB6}"/>
               </a:ext>
             </a:extLst>
           </p:cNvPr>
@@ -4371,7 +4376,7 @@
           <p:cNvPr id="6" name="Picture 5">
             <a:extLst>
               <a:ext uri="{FF2B5EF4-FFF2-40B4-BE49-F238E27FC236}">
-                <a16:creationId xmlns:a16="http://schemas.microsoft.com/office/drawing/2014/main" id="{43C64F37-163D-43DC-B914-CE41318ECBE4}"/>
+                <a16:creationId xmlns:a16="http://schemas.microsoft.com/office/drawing/2014/main" xmlns="" id="{43C64F37-163D-43DC-B914-CE41318ECBE4}"/>
               </a:ext>
             </a:extLst>
           </p:cNvPr>
@@ -4401,7 +4406,7 @@
           <p:cNvPr id="7" name="Picture 6">
             <a:extLst>
               <a:ext uri="{FF2B5EF4-FFF2-40B4-BE49-F238E27FC236}">
-                <a16:creationId xmlns:a16="http://schemas.microsoft.com/office/drawing/2014/main" id="{2E88BDFA-7E40-430E-8EAA-9273C3DC3BD6}"/>
+                <a16:creationId xmlns:a16="http://schemas.microsoft.com/office/drawing/2014/main" xmlns="" id="{2E88BDFA-7E40-430E-8EAA-9273C3DC3BD6}"/>
               </a:ext>
             </a:extLst>
           </p:cNvPr>
@@ -4461,7 +4466,7 @@
           <p:cNvPr id="2" name="Title 1">
             <a:extLst>
               <a:ext uri="{FF2B5EF4-FFF2-40B4-BE49-F238E27FC236}">
-                <a16:creationId xmlns:a16="http://schemas.microsoft.com/office/drawing/2014/main" id="{EC7C414F-8029-4258-A24E-2F8D62F5DF60}"/>
+                <a16:creationId xmlns:a16="http://schemas.microsoft.com/office/drawing/2014/main" xmlns="" id="{EC7C414F-8029-4258-A24E-2F8D62F5DF60}"/>
               </a:ext>
             </a:extLst>
           </p:cNvPr>
@@ -4486,7 +4491,7 @@
           <p:cNvPr id="3" name="Content Placeholder 2">
             <a:extLst>
               <a:ext uri="{FF2B5EF4-FFF2-40B4-BE49-F238E27FC236}">
-                <a16:creationId xmlns:a16="http://schemas.microsoft.com/office/drawing/2014/main" id="{463FB9BA-EE01-45B6-BF0F-EF77646B66F4}"/>
+                <a16:creationId xmlns:a16="http://schemas.microsoft.com/office/drawing/2014/main" xmlns="" id="{463FB9BA-EE01-45B6-BF0F-EF77646B66F4}"/>
               </a:ext>
             </a:extLst>
           </p:cNvPr>
@@ -4511,7 +4516,7 @@
           <p:cNvPr id="4" name="Picture 3">
             <a:extLst>
               <a:ext uri="{FF2B5EF4-FFF2-40B4-BE49-F238E27FC236}">
-                <a16:creationId xmlns:a16="http://schemas.microsoft.com/office/drawing/2014/main" id="{5A1CA6EA-C8B4-4D35-B713-EF2412462DA7}"/>
+                <a16:creationId xmlns:a16="http://schemas.microsoft.com/office/drawing/2014/main" xmlns="" id="{5A1CA6EA-C8B4-4D35-B713-EF2412462DA7}"/>
               </a:ext>
             </a:extLst>
           </p:cNvPr>
@@ -4541,7 +4546,7 @@
           <p:cNvPr id="6" name="Picture 5">
             <a:extLst>
               <a:ext uri="{FF2B5EF4-FFF2-40B4-BE49-F238E27FC236}">
-                <a16:creationId xmlns:a16="http://schemas.microsoft.com/office/drawing/2014/main" id="{94B14385-103B-4A75-9EA1-6C339A6BBECA}"/>
+                <a16:creationId xmlns:a16="http://schemas.microsoft.com/office/drawing/2014/main" xmlns="" id="{94B14385-103B-4A75-9EA1-6C339A6BBECA}"/>
               </a:ext>
             </a:extLst>
           </p:cNvPr>
@@ -4571,7 +4576,7 @@
           <p:cNvPr id="7" name="Picture 6">
             <a:extLst>
               <a:ext uri="{FF2B5EF4-FFF2-40B4-BE49-F238E27FC236}">
-                <a16:creationId xmlns:a16="http://schemas.microsoft.com/office/drawing/2014/main" id="{C1F0139D-FF7D-40F1-BC44-59683BCD6561}"/>
+                <a16:creationId xmlns:a16="http://schemas.microsoft.com/office/drawing/2014/main" xmlns="" id="{C1F0139D-FF7D-40F1-BC44-59683BCD6561}"/>
               </a:ext>
             </a:extLst>
           </p:cNvPr>
@@ -4631,7 +4636,7 @@
           <p:cNvPr id="2" name="Title 1">
             <a:extLst>
               <a:ext uri="{FF2B5EF4-FFF2-40B4-BE49-F238E27FC236}">
-                <a16:creationId xmlns:a16="http://schemas.microsoft.com/office/drawing/2014/main" id="{1AAEAA80-8724-4829-944C-DF8335704B7A}"/>
+                <a16:creationId xmlns:a16="http://schemas.microsoft.com/office/drawing/2014/main" xmlns="" id="{1AAEAA80-8724-4829-944C-DF8335704B7A}"/>
               </a:ext>
             </a:extLst>
           </p:cNvPr>
@@ -4656,7 +4661,7 @@
           <p:cNvPr id="3" name="Content Placeholder 2">
             <a:extLst>
               <a:ext uri="{FF2B5EF4-FFF2-40B4-BE49-F238E27FC236}">
-                <a16:creationId xmlns:a16="http://schemas.microsoft.com/office/drawing/2014/main" id="{31D55554-9010-4CA0-A8E4-DD14ECBFE150}"/>
+                <a16:creationId xmlns:a16="http://schemas.microsoft.com/office/drawing/2014/main" xmlns="" id="{31D55554-9010-4CA0-A8E4-DD14ECBFE150}"/>
               </a:ext>
             </a:extLst>
           </p:cNvPr>
@@ -4681,7 +4686,7 @@
           <p:cNvPr id="4" name="Picture 3">
             <a:extLst>
               <a:ext uri="{FF2B5EF4-FFF2-40B4-BE49-F238E27FC236}">
-                <a16:creationId xmlns:a16="http://schemas.microsoft.com/office/drawing/2014/main" id="{5725FD63-BB6A-4B05-BD29-ECB745CCCD4D}"/>
+                <a16:creationId xmlns:a16="http://schemas.microsoft.com/office/drawing/2014/main" xmlns="" id="{5725FD63-BB6A-4B05-BD29-ECB745CCCD4D}"/>
               </a:ext>
             </a:extLst>
           </p:cNvPr>
@@ -4741,7 +4746,7 @@
           <p:cNvPr id="2" name="Title 1">
             <a:extLst>
               <a:ext uri="{FF2B5EF4-FFF2-40B4-BE49-F238E27FC236}">
-                <a16:creationId xmlns:a16="http://schemas.microsoft.com/office/drawing/2014/main" id="{E9784516-19E7-4512-AF07-70F6ED06971B}"/>
+                <a16:creationId xmlns:a16="http://schemas.microsoft.com/office/drawing/2014/main" xmlns="" id="{E9784516-19E7-4512-AF07-70F6ED06971B}"/>
               </a:ext>
             </a:extLst>
           </p:cNvPr>
@@ -4766,7 +4771,7 @@
           <p:cNvPr id="3" name="Content Placeholder 2">
             <a:extLst>
               <a:ext uri="{FF2B5EF4-FFF2-40B4-BE49-F238E27FC236}">
-                <a16:creationId xmlns:a16="http://schemas.microsoft.com/office/drawing/2014/main" id="{A08694BE-5302-48E0-AAC3-585935CD897E}"/>
+                <a16:creationId xmlns:a16="http://schemas.microsoft.com/office/drawing/2014/main" xmlns="" id="{A08694BE-5302-48E0-AAC3-585935CD897E}"/>
               </a:ext>
             </a:extLst>
           </p:cNvPr>
@@ -4791,7 +4796,7 @@
           <p:cNvPr id="4" name="Picture 3">
             <a:extLst>
               <a:ext uri="{FF2B5EF4-FFF2-40B4-BE49-F238E27FC236}">
-                <a16:creationId xmlns:a16="http://schemas.microsoft.com/office/drawing/2014/main" id="{EF0A260D-D3F0-4646-8FBC-33AEF7A3643E}"/>
+                <a16:creationId xmlns:a16="http://schemas.microsoft.com/office/drawing/2014/main" xmlns="" id="{EF0A260D-D3F0-4646-8FBC-33AEF7A3643E}"/>
               </a:ext>
             </a:extLst>
           </p:cNvPr>
@@ -4851,7 +4856,7 @@
           <p:cNvPr id="2" name="Title 1">
             <a:extLst>
               <a:ext uri="{FF2B5EF4-FFF2-40B4-BE49-F238E27FC236}">
-                <a16:creationId xmlns:a16="http://schemas.microsoft.com/office/drawing/2014/main" id="{E9784516-19E7-4512-AF07-70F6ED06971B}"/>
+                <a16:creationId xmlns:a16="http://schemas.microsoft.com/office/drawing/2014/main" xmlns="" id="{E9784516-19E7-4512-AF07-70F6ED06971B}"/>
               </a:ext>
             </a:extLst>
           </p:cNvPr>
@@ -4876,7 +4881,7 @@
           <p:cNvPr id="3" name="Content Placeholder 2">
             <a:extLst>
               <a:ext uri="{FF2B5EF4-FFF2-40B4-BE49-F238E27FC236}">
-                <a16:creationId xmlns:a16="http://schemas.microsoft.com/office/drawing/2014/main" id="{A08694BE-5302-48E0-AAC3-585935CD897E}"/>
+                <a16:creationId xmlns:a16="http://schemas.microsoft.com/office/drawing/2014/main" xmlns="" id="{A08694BE-5302-48E0-AAC3-585935CD897E}"/>
               </a:ext>
             </a:extLst>
           </p:cNvPr>
@@ -4901,7 +4906,7 @@
           <p:cNvPr id="4" name="Picture 3">
             <a:extLst>
               <a:ext uri="{FF2B5EF4-FFF2-40B4-BE49-F238E27FC236}">
-                <a16:creationId xmlns:a16="http://schemas.microsoft.com/office/drawing/2014/main" id="{EF0A260D-D3F0-4646-8FBC-33AEF7A3643E}"/>
+                <a16:creationId xmlns:a16="http://schemas.microsoft.com/office/drawing/2014/main" xmlns="" id="{EF0A260D-D3F0-4646-8FBC-33AEF7A3643E}"/>
               </a:ext>
             </a:extLst>
           </p:cNvPr>
@@ -4931,7 +4936,7 @@
           <p:cNvPr id="5" name="Picture 4">
             <a:extLst>
               <a:ext uri="{FF2B5EF4-FFF2-40B4-BE49-F238E27FC236}">
-                <a16:creationId xmlns:a16="http://schemas.microsoft.com/office/drawing/2014/main" id="{759A12FB-F774-4A88-898C-894F95B2F469}"/>
+                <a16:creationId xmlns:a16="http://schemas.microsoft.com/office/drawing/2014/main" xmlns="" id="{759A12FB-F774-4A88-898C-894F95B2F469}"/>
               </a:ext>
             </a:extLst>
           </p:cNvPr>
@@ -4991,7 +4996,7 @@
           <p:cNvPr id="2" name="Title 1">
             <a:extLst>
               <a:ext uri="{FF2B5EF4-FFF2-40B4-BE49-F238E27FC236}">
-                <a16:creationId xmlns:a16="http://schemas.microsoft.com/office/drawing/2014/main" id="{E9784516-19E7-4512-AF07-70F6ED06971B}"/>
+                <a16:creationId xmlns:a16="http://schemas.microsoft.com/office/drawing/2014/main" xmlns="" id="{E9784516-19E7-4512-AF07-70F6ED06971B}"/>
               </a:ext>
             </a:extLst>
           </p:cNvPr>
@@ -5016,7 +5021,7 @@
           <p:cNvPr id="3" name="Content Placeholder 2">
             <a:extLst>
               <a:ext uri="{FF2B5EF4-FFF2-40B4-BE49-F238E27FC236}">
-                <a16:creationId xmlns:a16="http://schemas.microsoft.com/office/drawing/2014/main" id="{A08694BE-5302-48E0-AAC3-585935CD897E}"/>
+                <a16:creationId xmlns:a16="http://schemas.microsoft.com/office/drawing/2014/main" xmlns="" id="{A08694BE-5302-48E0-AAC3-585935CD897E}"/>
               </a:ext>
             </a:extLst>
           </p:cNvPr>
@@ -5041,7 +5046,7 @@
           <p:cNvPr id="4" name="Picture 3">
             <a:extLst>
               <a:ext uri="{FF2B5EF4-FFF2-40B4-BE49-F238E27FC236}">
-                <a16:creationId xmlns:a16="http://schemas.microsoft.com/office/drawing/2014/main" id="{EF0A260D-D3F0-4646-8FBC-33AEF7A3643E}"/>
+                <a16:creationId xmlns:a16="http://schemas.microsoft.com/office/drawing/2014/main" xmlns="" id="{EF0A260D-D3F0-4646-8FBC-33AEF7A3643E}"/>
               </a:ext>
             </a:extLst>
           </p:cNvPr>
@@ -5071,7 +5076,7 @@
           <p:cNvPr id="5" name="Picture 4">
             <a:extLst>
               <a:ext uri="{FF2B5EF4-FFF2-40B4-BE49-F238E27FC236}">
-                <a16:creationId xmlns:a16="http://schemas.microsoft.com/office/drawing/2014/main" id="{759A12FB-F774-4A88-898C-894F95B2F469}"/>
+                <a16:creationId xmlns:a16="http://schemas.microsoft.com/office/drawing/2014/main" xmlns="" id="{759A12FB-F774-4A88-898C-894F95B2F469}"/>
               </a:ext>
             </a:extLst>
           </p:cNvPr>
@@ -5101,7 +5106,7 @@
           <p:cNvPr id="6" name="Picture 5">
             <a:extLst>
               <a:ext uri="{FF2B5EF4-FFF2-40B4-BE49-F238E27FC236}">
-                <a16:creationId xmlns:a16="http://schemas.microsoft.com/office/drawing/2014/main" id="{B531B667-7EA3-434F-9C07-EF51EC495B6C}"/>
+                <a16:creationId xmlns:a16="http://schemas.microsoft.com/office/drawing/2014/main" xmlns="" id="{B531B667-7EA3-434F-9C07-EF51EC495B6C}"/>
               </a:ext>
             </a:extLst>
           </p:cNvPr>
@@ -5161,7 +5166,7 @@
           <p:cNvPr id="2" name="Title 1">
             <a:extLst>
               <a:ext uri="{FF2B5EF4-FFF2-40B4-BE49-F238E27FC236}">
-                <a16:creationId xmlns:a16="http://schemas.microsoft.com/office/drawing/2014/main" id="{83E144EE-6EAB-4785-841C-346079F4E936}"/>
+                <a16:creationId xmlns:a16="http://schemas.microsoft.com/office/drawing/2014/main" xmlns="" id="{83E144EE-6EAB-4785-841C-346079F4E936}"/>
               </a:ext>
             </a:extLst>
           </p:cNvPr>
@@ -5186,7 +5191,7 @@
           <p:cNvPr id="3" name="Content Placeholder 2">
             <a:extLst>
               <a:ext uri="{FF2B5EF4-FFF2-40B4-BE49-F238E27FC236}">
-                <a16:creationId xmlns:a16="http://schemas.microsoft.com/office/drawing/2014/main" id="{CB9AA820-0B87-4246-AA92-395096EC4A01}"/>
+                <a16:creationId xmlns:a16="http://schemas.microsoft.com/office/drawing/2014/main" xmlns="" id="{CB9AA820-0B87-4246-AA92-395096EC4A01}"/>
               </a:ext>
             </a:extLst>
           </p:cNvPr>
@@ -5211,7 +5216,7 @@
           <p:cNvPr id="4" name="Picture 3">
             <a:extLst>
               <a:ext uri="{FF2B5EF4-FFF2-40B4-BE49-F238E27FC236}">
-                <a16:creationId xmlns:a16="http://schemas.microsoft.com/office/drawing/2014/main" id="{97D55BDB-FB78-4533-A064-E1CF4082BFB3}"/>
+                <a16:creationId xmlns:a16="http://schemas.microsoft.com/office/drawing/2014/main" xmlns="" id="{97D55BDB-FB78-4533-A064-E1CF4082BFB3}"/>
               </a:ext>
             </a:extLst>
           </p:cNvPr>
@@ -5271,7 +5276,7 @@
           <p:cNvPr id="2" name="Title 1">
             <a:extLst>
               <a:ext uri="{FF2B5EF4-FFF2-40B4-BE49-F238E27FC236}">
-                <a16:creationId xmlns:a16="http://schemas.microsoft.com/office/drawing/2014/main" id="{83E144EE-6EAB-4785-841C-346079F4E936}"/>
+                <a16:creationId xmlns:a16="http://schemas.microsoft.com/office/drawing/2014/main" xmlns="" id="{83E144EE-6EAB-4785-841C-346079F4E936}"/>
               </a:ext>
             </a:extLst>
           </p:cNvPr>
@@ -5296,7 +5301,7 @@
           <p:cNvPr id="3" name="Content Placeholder 2">
             <a:extLst>
               <a:ext uri="{FF2B5EF4-FFF2-40B4-BE49-F238E27FC236}">
-                <a16:creationId xmlns:a16="http://schemas.microsoft.com/office/drawing/2014/main" id="{CB9AA820-0B87-4246-AA92-395096EC4A01}"/>
+                <a16:creationId xmlns:a16="http://schemas.microsoft.com/office/drawing/2014/main" xmlns="" id="{CB9AA820-0B87-4246-AA92-395096EC4A01}"/>
               </a:ext>
             </a:extLst>
           </p:cNvPr>
@@ -5321,7 +5326,7 @@
           <p:cNvPr id="4" name="Picture 3">
             <a:extLst>
               <a:ext uri="{FF2B5EF4-FFF2-40B4-BE49-F238E27FC236}">
-                <a16:creationId xmlns:a16="http://schemas.microsoft.com/office/drawing/2014/main" id="{97D55BDB-FB78-4533-A064-E1CF4082BFB3}"/>
+                <a16:creationId xmlns:a16="http://schemas.microsoft.com/office/drawing/2014/main" xmlns="" id="{97D55BDB-FB78-4533-A064-E1CF4082BFB3}"/>
               </a:ext>
             </a:extLst>
           </p:cNvPr>
@@ -5351,7 +5356,7 @@
           <p:cNvPr id="5" name="Picture 4">
             <a:extLst>
               <a:ext uri="{FF2B5EF4-FFF2-40B4-BE49-F238E27FC236}">
-                <a16:creationId xmlns:a16="http://schemas.microsoft.com/office/drawing/2014/main" id="{F23795FE-72CE-43BA-B6DA-E3E2F6297979}"/>
+                <a16:creationId xmlns:a16="http://schemas.microsoft.com/office/drawing/2014/main" xmlns="" id="{F23795FE-72CE-43BA-B6DA-E3E2F6297979}"/>
               </a:ext>
             </a:extLst>
           </p:cNvPr>
@@ -5368,7 +5373,7 @@
         </p:blipFill>
         <p:spPr>
           <a:xfrm>
-            <a:off x="628650" y="2800946"/>
+            <a:off x="628650" y="3502946"/>
             <a:ext cx="7886700" cy="1879794"/>
           </a:xfrm>
           <a:prstGeom prst="rect">
@@ -5411,7 +5416,7 @@
           <p:cNvPr id="2" name="Title 1">
             <a:extLst>
               <a:ext uri="{FF2B5EF4-FFF2-40B4-BE49-F238E27FC236}">
-                <a16:creationId xmlns:a16="http://schemas.microsoft.com/office/drawing/2014/main" id="{D2471832-460E-4AE2-8F41-5EA3BC5ABD9F}"/>
+                <a16:creationId xmlns:a16="http://schemas.microsoft.com/office/drawing/2014/main" xmlns="" id="{D2471832-460E-4AE2-8F41-5EA3BC5ABD9F}"/>
               </a:ext>
             </a:extLst>
           </p:cNvPr>
@@ -5436,7 +5441,7 @@
           <p:cNvPr id="3" name="Content Placeholder 2">
             <a:extLst>
               <a:ext uri="{FF2B5EF4-FFF2-40B4-BE49-F238E27FC236}">
-                <a16:creationId xmlns:a16="http://schemas.microsoft.com/office/drawing/2014/main" id="{E7F1981D-CE33-4D4D-A5B9-7EA5A709D8EE}"/>
+                <a16:creationId xmlns:a16="http://schemas.microsoft.com/office/drawing/2014/main" xmlns="" id="{E7F1981D-CE33-4D4D-A5B9-7EA5A709D8EE}"/>
               </a:ext>
             </a:extLst>
           </p:cNvPr>
@@ -5461,7 +5466,7 @@
           <p:cNvPr id="4" name="Picture 3">
             <a:extLst>
               <a:ext uri="{FF2B5EF4-FFF2-40B4-BE49-F238E27FC236}">
-                <a16:creationId xmlns:a16="http://schemas.microsoft.com/office/drawing/2014/main" id="{7DF03FCB-6088-442E-851D-AC3E5DE7E9DF}"/>
+                <a16:creationId xmlns:a16="http://schemas.microsoft.com/office/drawing/2014/main" xmlns="" id="{7DF03FCB-6088-442E-851D-AC3E5DE7E9DF}"/>
               </a:ext>
             </a:extLst>
           </p:cNvPr>

--- a/integration.pptx
+++ b/integration.pptx
@@ -23,6 +23,11 @@
     <p:sldId id="271" r:id="rId17"/>
     <p:sldId id="272" r:id="rId18"/>
     <p:sldId id="273" r:id="rId19"/>
+    <p:sldId id="274" r:id="rId20"/>
+    <p:sldId id="275" r:id="rId21"/>
+    <p:sldId id="276" r:id="rId22"/>
+    <p:sldId id="277" r:id="rId23"/>
+    <p:sldId id="278" r:id="rId24"/>
   </p:sldIdLst>
   <p:sldSz cx="9144000" cy="6858000" type="screen4x3"/>
   <p:notesSz cx="6858000" cy="9144000"/>
@@ -260,7 +265,7 @@
           <a:p>
             <a:fld id="{C1D16ED1-21E1-467F-A6E2-EA9E5B2B328D}" type="datetimeFigureOut">
               <a:rPr lang="en-US" smtClean="0"/>
-              <a:t>11/2/2017</a:t>
+              <a:t>11/5/2017</a:t>
             </a:fld>
             <a:endParaRPr lang="en-US"/>
           </a:p>
@@ -430,7 +435,7 @@
           <a:p>
             <a:fld id="{C1D16ED1-21E1-467F-A6E2-EA9E5B2B328D}" type="datetimeFigureOut">
               <a:rPr lang="en-US" smtClean="0"/>
-              <a:t>11/2/2017</a:t>
+              <a:t>11/5/2017</a:t>
             </a:fld>
             <a:endParaRPr lang="en-US"/>
           </a:p>
@@ -610,7 +615,7 @@
           <a:p>
             <a:fld id="{C1D16ED1-21E1-467F-A6E2-EA9E5B2B328D}" type="datetimeFigureOut">
               <a:rPr lang="en-US" smtClean="0"/>
-              <a:t>11/2/2017</a:t>
+              <a:t>11/5/2017</a:t>
             </a:fld>
             <a:endParaRPr lang="en-US"/>
           </a:p>
@@ -780,7 +785,7 @@
           <a:p>
             <a:fld id="{C1D16ED1-21E1-467F-A6E2-EA9E5B2B328D}" type="datetimeFigureOut">
               <a:rPr lang="en-US" smtClean="0"/>
-              <a:t>11/2/2017</a:t>
+              <a:t>11/5/2017</a:t>
             </a:fld>
             <a:endParaRPr lang="en-US"/>
           </a:p>
@@ -1024,7 +1029,7 @@
           <a:p>
             <a:fld id="{C1D16ED1-21E1-467F-A6E2-EA9E5B2B328D}" type="datetimeFigureOut">
               <a:rPr lang="en-US" smtClean="0"/>
-              <a:t>11/2/2017</a:t>
+              <a:t>11/5/2017</a:t>
             </a:fld>
             <a:endParaRPr lang="en-US"/>
           </a:p>
@@ -1256,7 +1261,7 @@
           <a:p>
             <a:fld id="{C1D16ED1-21E1-467F-A6E2-EA9E5B2B328D}" type="datetimeFigureOut">
               <a:rPr lang="en-US" smtClean="0"/>
-              <a:t>11/2/2017</a:t>
+              <a:t>11/5/2017</a:t>
             </a:fld>
             <a:endParaRPr lang="en-US"/>
           </a:p>
@@ -1623,7 +1628,7 @@
           <a:p>
             <a:fld id="{C1D16ED1-21E1-467F-A6E2-EA9E5B2B328D}" type="datetimeFigureOut">
               <a:rPr lang="en-US" smtClean="0"/>
-              <a:t>11/2/2017</a:t>
+              <a:t>11/5/2017</a:t>
             </a:fld>
             <a:endParaRPr lang="en-US"/>
           </a:p>
@@ -1741,7 +1746,7 @@
           <a:p>
             <a:fld id="{C1D16ED1-21E1-467F-A6E2-EA9E5B2B328D}" type="datetimeFigureOut">
               <a:rPr lang="en-US" smtClean="0"/>
-              <a:t>11/2/2017</a:t>
+              <a:t>11/5/2017</a:t>
             </a:fld>
             <a:endParaRPr lang="en-US"/>
           </a:p>
@@ -1836,7 +1841,7 @@
           <a:p>
             <a:fld id="{C1D16ED1-21E1-467F-A6E2-EA9E5B2B328D}" type="datetimeFigureOut">
               <a:rPr lang="en-US" smtClean="0"/>
-              <a:t>11/2/2017</a:t>
+              <a:t>11/5/2017</a:t>
             </a:fld>
             <a:endParaRPr lang="en-US"/>
           </a:p>
@@ -2113,7 +2118,7 @@
           <a:p>
             <a:fld id="{C1D16ED1-21E1-467F-A6E2-EA9E5B2B328D}" type="datetimeFigureOut">
               <a:rPr lang="en-US" smtClean="0"/>
-              <a:t>11/2/2017</a:t>
+              <a:t>11/5/2017</a:t>
             </a:fld>
             <a:endParaRPr lang="en-US"/>
           </a:p>
@@ -2370,7 +2375,7 @@
           <a:p>
             <a:fld id="{C1D16ED1-21E1-467F-A6E2-EA9E5B2B328D}" type="datetimeFigureOut">
               <a:rPr lang="en-US" smtClean="0"/>
-              <a:t>11/2/2017</a:t>
+              <a:t>11/5/2017</a:t>
             </a:fld>
             <a:endParaRPr lang="en-US"/>
           </a:p>
@@ -2583,7 +2588,7 @@
           <a:p>
             <a:fld id="{C1D16ED1-21E1-467F-A6E2-EA9E5B2B328D}" type="datetimeFigureOut">
               <a:rPr lang="en-US" smtClean="0"/>
-              <a:t>11/2/2017</a:t>
+              <a:t>11/5/2017</a:t>
             </a:fld>
             <a:endParaRPr lang="en-US"/>
           </a:p>
@@ -3007,7 +3012,7 @@
           <p:cNvPr id="2" name="Title 1">
             <a:extLst>
               <a:ext uri="{FF2B5EF4-FFF2-40B4-BE49-F238E27FC236}">
-                <a16:creationId xmlns:a16="http://schemas.microsoft.com/office/drawing/2014/main" xmlns="" id="{2CFAB188-168C-4BE0-80A0-7F6C712FFF3C}"/>
+                <a16:creationId xmlns:a16="http://schemas.microsoft.com/office/drawing/2014/main" id="{2CFAB188-168C-4BE0-80A0-7F6C712FFF3C}"/>
               </a:ext>
             </a:extLst>
           </p:cNvPr>
@@ -3035,7 +3040,7 @@
           <p:cNvPr id="3" name="Subtitle 2">
             <a:extLst>
               <a:ext uri="{FF2B5EF4-FFF2-40B4-BE49-F238E27FC236}">
-                <a16:creationId xmlns:a16="http://schemas.microsoft.com/office/drawing/2014/main" xmlns="" id="{FC5496F8-B788-4FF5-B534-D9658098C1D0}"/>
+                <a16:creationId xmlns:a16="http://schemas.microsoft.com/office/drawing/2014/main" id="{FC5496F8-B788-4FF5-B534-D9658098C1D0}"/>
               </a:ext>
             </a:extLst>
           </p:cNvPr>
@@ -3090,7 +3095,7 @@
           <p:cNvPr id="2" name="Title 1">
             <a:extLst>
               <a:ext uri="{FF2B5EF4-FFF2-40B4-BE49-F238E27FC236}">
-                <a16:creationId xmlns:a16="http://schemas.microsoft.com/office/drawing/2014/main" xmlns="" id="{746E0923-4BA7-48E2-A3C5-55EF455EEE5B}"/>
+                <a16:creationId xmlns:a16="http://schemas.microsoft.com/office/drawing/2014/main" id="{746E0923-4BA7-48E2-A3C5-55EF455EEE5B}"/>
               </a:ext>
             </a:extLst>
           </p:cNvPr>
@@ -3115,7 +3120,7 @@
           <p:cNvPr id="4" name="Picture 3">
             <a:extLst>
               <a:ext uri="{FF2B5EF4-FFF2-40B4-BE49-F238E27FC236}">
-                <a16:creationId xmlns:a16="http://schemas.microsoft.com/office/drawing/2014/main" xmlns="" id="{09935299-12A8-4730-AC37-AFCE51C26872}"/>
+                <a16:creationId xmlns:a16="http://schemas.microsoft.com/office/drawing/2014/main" id="{09935299-12A8-4730-AC37-AFCE51C26872}"/>
               </a:ext>
             </a:extLst>
           </p:cNvPr>
@@ -3175,7 +3180,7 @@
           <p:cNvPr id="2" name="Title 1">
             <a:extLst>
               <a:ext uri="{FF2B5EF4-FFF2-40B4-BE49-F238E27FC236}">
-                <a16:creationId xmlns:a16="http://schemas.microsoft.com/office/drawing/2014/main" xmlns="" id="{746E0923-4BA7-48E2-A3C5-55EF455EEE5B}"/>
+                <a16:creationId xmlns:a16="http://schemas.microsoft.com/office/drawing/2014/main" id="{746E0923-4BA7-48E2-A3C5-55EF455EEE5B}"/>
               </a:ext>
             </a:extLst>
           </p:cNvPr>
@@ -3200,7 +3205,7 @@
           <p:cNvPr id="4" name="Picture 3">
             <a:extLst>
               <a:ext uri="{FF2B5EF4-FFF2-40B4-BE49-F238E27FC236}">
-                <a16:creationId xmlns:a16="http://schemas.microsoft.com/office/drawing/2014/main" xmlns="" id="{09935299-12A8-4730-AC37-AFCE51C26872}"/>
+                <a16:creationId xmlns:a16="http://schemas.microsoft.com/office/drawing/2014/main" id="{09935299-12A8-4730-AC37-AFCE51C26872}"/>
               </a:ext>
             </a:extLst>
           </p:cNvPr>
@@ -3230,7 +3235,7 @@
           <p:cNvPr id="5" name="Picture 4">
             <a:extLst>
               <a:ext uri="{FF2B5EF4-FFF2-40B4-BE49-F238E27FC236}">
-                <a16:creationId xmlns:a16="http://schemas.microsoft.com/office/drawing/2014/main" xmlns="" id="{936B7513-2CA6-4679-B0C0-E16963BDEE5B}"/>
+                <a16:creationId xmlns:a16="http://schemas.microsoft.com/office/drawing/2014/main" id="{936B7513-2CA6-4679-B0C0-E16963BDEE5B}"/>
               </a:ext>
             </a:extLst>
           </p:cNvPr>
@@ -3260,7 +3265,7 @@
           <p:cNvPr id="9" name="Content Placeholder 8">
             <a:extLst>
               <a:ext uri="{FF2B5EF4-FFF2-40B4-BE49-F238E27FC236}">
-                <a16:creationId xmlns:a16="http://schemas.microsoft.com/office/drawing/2014/main" xmlns="" id="{0C4A1AF7-F704-478D-9D91-2DE2672F4D28}"/>
+                <a16:creationId xmlns:a16="http://schemas.microsoft.com/office/drawing/2014/main" id="{0C4A1AF7-F704-478D-9D91-2DE2672F4D28}"/>
               </a:ext>
             </a:extLst>
           </p:cNvPr>
@@ -3315,7 +3320,7 @@
           <p:cNvPr id="2" name="Title 1">
             <a:extLst>
               <a:ext uri="{FF2B5EF4-FFF2-40B4-BE49-F238E27FC236}">
-                <a16:creationId xmlns:a16="http://schemas.microsoft.com/office/drawing/2014/main" xmlns="" id="{746E0923-4BA7-48E2-A3C5-55EF455EEE5B}"/>
+                <a16:creationId xmlns:a16="http://schemas.microsoft.com/office/drawing/2014/main" id="{746E0923-4BA7-48E2-A3C5-55EF455EEE5B}"/>
               </a:ext>
             </a:extLst>
           </p:cNvPr>
@@ -3340,7 +3345,7 @@
           <p:cNvPr id="6" name="Content Placeholder 5">
             <a:extLst>
               <a:ext uri="{FF2B5EF4-FFF2-40B4-BE49-F238E27FC236}">
-                <a16:creationId xmlns:a16="http://schemas.microsoft.com/office/drawing/2014/main" xmlns="" id="{6EBF62B3-E089-4F0C-AD43-B9CAC9EC4169}"/>
+                <a16:creationId xmlns:a16="http://schemas.microsoft.com/office/drawing/2014/main" id="{6EBF62B3-E089-4F0C-AD43-B9CAC9EC4169}"/>
               </a:ext>
             </a:extLst>
           </p:cNvPr>
@@ -3372,7 +3377,7 @@
           <p:cNvPr id="4" name="Picture 3">
             <a:extLst>
               <a:ext uri="{FF2B5EF4-FFF2-40B4-BE49-F238E27FC236}">
-                <a16:creationId xmlns:a16="http://schemas.microsoft.com/office/drawing/2014/main" xmlns="" id="{09935299-12A8-4730-AC37-AFCE51C26872}"/>
+                <a16:creationId xmlns:a16="http://schemas.microsoft.com/office/drawing/2014/main" id="{09935299-12A8-4730-AC37-AFCE51C26872}"/>
               </a:ext>
             </a:extLst>
           </p:cNvPr>
@@ -3402,7 +3407,7 @@
           <p:cNvPr id="5" name="Picture 4">
             <a:extLst>
               <a:ext uri="{FF2B5EF4-FFF2-40B4-BE49-F238E27FC236}">
-                <a16:creationId xmlns:a16="http://schemas.microsoft.com/office/drawing/2014/main" xmlns="" id="{936B7513-2CA6-4679-B0C0-E16963BDEE5B}"/>
+                <a16:creationId xmlns:a16="http://schemas.microsoft.com/office/drawing/2014/main" id="{936B7513-2CA6-4679-B0C0-E16963BDEE5B}"/>
               </a:ext>
             </a:extLst>
           </p:cNvPr>
@@ -3462,7 +3467,7 @@
           <p:cNvPr id="2" name="Title 1">
             <a:extLst>
               <a:ext uri="{FF2B5EF4-FFF2-40B4-BE49-F238E27FC236}">
-                <a16:creationId xmlns:a16="http://schemas.microsoft.com/office/drawing/2014/main" xmlns="" id="{746E0923-4BA7-48E2-A3C5-55EF455EEE5B}"/>
+                <a16:creationId xmlns:a16="http://schemas.microsoft.com/office/drawing/2014/main" id="{746E0923-4BA7-48E2-A3C5-55EF455EEE5B}"/>
               </a:ext>
             </a:extLst>
           </p:cNvPr>
@@ -3487,7 +3492,7 @@
           <p:cNvPr id="6" name="Content Placeholder 5">
             <a:extLst>
               <a:ext uri="{FF2B5EF4-FFF2-40B4-BE49-F238E27FC236}">
-                <a16:creationId xmlns:a16="http://schemas.microsoft.com/office/drawing/2014/main" xmlns="" id="{6EBF62B3-E089-4F0C-AD43-B9CAC9EC4169}"/>
+                <a16:creationId xmlns:a16="http://schemas.microsoft.com/office/drawing/2014/main" id="{6EBF62B3-E089-4F0C-AD43-B9CAC9EC4169}"/>
               </a:ext>
             </a:extLst>
           </p:cNvPr>
@@ -3519,7 +3524,7 @@
           <p:cNvPr id="4" name="Picture 3">
             <a:extLst>
               <a:ext uri="{FF2B5EF4-FFF2-40B4-BE49-F238E27FC236}">
-                <a16:creationId xmlns:a16="http://schemas.microsoft.com/office/drawing/2014/main" xmlns="" id="{09935299-12A8-4730-AC37-AFCE51C26872}"/>
+                <a16:creationId xmlns:a16="http://schemas.microsoft.com/office/drawing/2014/main" id="{09935299-12A8-4730-AC37-AFCE51C26872}"/>
               </a:ext>
             </a:extLst>
           </p:cNvPr>
@@ -3549,7 +3554,7 @@
           <p:cNvPr id="5" name="Picture 4">
             <a:extLst>
               <a:ext uri="{FF2B5EF4-FFF2-40B4-BE49-F238E27FC236}">
-                <a16:creationId xmlns:a16="http://schemas.microsoft.com/office/drawing/2014/main" xmlns="" id="{936B7513-2CA6-4679-B0C0-E16963BDEE5B}"/>
+                <a16:creationId xmlns:a16="http://schemas.microsoft.com/office/drawing/2014/main" id="{936B7513-2CA6-4679-B0C0-E16963BDEE5B}"/>
               </a:ext>
             </a:extLst>
           </p:cNvPr>
@@ -3579,7 +3584,7 @@
           <p:cNvPr id="7" name="Picture 6">
             <a:extLst>
               <a:ext uri="{FF2B5EF4-FFF2-40B4-BE49-F238E27FC236}">
-                <a16:creationId xmlns:a16="http://schemas.microsoft.com/office/drawing/2014/main" xmlns="" id="{C6B12BD9-E7E6-439A-8C6A-964AAB0C7CE5}"/>
+                <a16:creationId xmlns:a16="http://schemas.microsoft.com/office/drawing/2014/main" id="{C6B12BD9-E7E6-439A-8C6A-964AAB0C7CE5}"/>
               </a:ext>
             </a:extLst>
           </p:cNvPr>
@@ -3639,7 +3644,7 @@
           <p:cNvPr id="2" name="Title 1">
             <a:extLst>
               <a:ext uri="{FF2B5EF4-FFF2-40B4-BE49-F238E27FC236}">
-                <a16:creationId xmlns:a16="http://schemas.microsoft.com/office/drawing/2014/main" xmlns="" id="{746E0923-4BA7-48E2-A3C5-55EF455EEE5B}"/>
+                <a16:creationId xmlns:a16="http://schemas.microsoft.com/office/drawing/2014/main" id="{746E0923-4BA7-48E2-A3C5-55EF455EEE5B}"/>
               </a:ext>
             </a:extLst>
           </p:cNvPr>
@@ -3664,7 +3669,7 @@
           <p:cNvPr id="6" name="Content Placeholder 5">
             <a:extLst>
               <a:ext uri="{FF2B5EF4-FFF2-40B4-BE49-F238E27FC236}">
-                <a16:creationId xmlns:a16="http://schemas.microsoft.com/office/drawing/2014/main" xmlns="" id="{6EBF62B3-E089-4F0C-AD43-B9CAC9EC4169}"/>
+                <a16:creationId xmlns:a16="http://schemas.microsoft.com/office/drawing/2014/main" id="{6EBF62B3-E089-4F0C-AD43-B9CAC9EC4169}"/>
               </a:ext>
             </a:extLst>
           </p:cNvPr>
@@ -3696,7 +3701,7 @@
           <p:cNvPr id="4" name="Picture 3">
             <a:extLst>
               <a:ext uri="{FF2B5EF4-FFF2-40B4-BE49-F238E27FC236}">
-                <a16:creationId xmlns:a16="http://schemas.microsoft.com/office/drawing/2014/main" xmlns="" id="{09935299-12A8-4730-AC37-AFCE51C26872}"/>
+                <a16:creationId xmlns:a16="http://schemas.microsoft.com/office/drawing/2014/main" id="{09935299-12A8-4730-AC37-AFCE51C26872}"/>
               </a:ext>
             </a:extLst>
           </p:cNvPr>
@@ -3726,7 +3731,7 @@
           <p:cNvPr id="5" name="Picture 4">
             <a:extLst>
               <a:ext uri="{FF2B5EF4-FFF2-40B4-BE49-F238E27FC236}">
-                <a16:creationId xmlns:a16="http://schemas.microsoft.com/office/drawing/2014/main" xmlns="" id="{936B7513-2CA6-4679-B0C0-E16963BDEE5B}"/>
+                <a16:creationId xmlns:a16="http://schemas.microsoft.com/office/drawing/2014/main" id="{936B7513-2CA6-4679-B0C0-E16963BDEE5B}"/>
               </a:ext>
             </a:extLst>
           </p:cNvPr>
@@ -3756,7 +3761,7 @@
           <p:cNvPr id="7" name="Picture 6">
             <a:extLst>
               <a:ext uri="{FF2B5EF4-FFF2-40B4-BE49-F238E27FC236}">
-                <a16:creationId xmlns:a16="http://schemas.microsoft.com/office/drawing/2014/main" xmlns="" id="{C6B12BD9-E7E6-439A-8C6A-964AAB0C7CE5}"/>
+                <a16:creationId xmlns:a16="http://schemas.microsoft.com/office/drawing/2014/main" id="{C6B12BD9-E7E6-439A-8C6A-964AAB0C7CE5}"/>
               </a:ext>
             </a:extLst>
           </p:cNvPr>
@@ -3786,7 +3791,7 @@
           <p:cNvPr id="8" name="Picture 7">
             <a:extLst>
               <a:ext uri="{FF2B5EF4-FFF2-40B4-BE49-F238E27FC236}">
-                <a16:creationId xmlns:a16="http://schemas.microsoft.com/office/drawing/2014/main" xmlns="" id="{5E99652D-5164-4B4E-BA57-D51E245D8CE8}"/>
+                <a16:creationId xmlns:a16="http://schemas.microsoft.com/office/drawing/2014/main" id="{5E99652D-5164-4B4E-BA57-D51E245D8CE8}"/>
               </a:ext>
             </a:extLst>
           </p:cNvPr>
@@ -3846,7 +3851,7 @@
           <p:cNvPr id="2" name="Title 1">
             <a:extLst>
               <a:ext uri="{FF2B5EF4-FFF2-40B4-BE49-F238E27FC236}">
-                <a16:creationId xmlns:a16="http://schemas.microsoft.com/office/drawing/2014/main" xmlns="" id="{57DC640B-6A45-44F5-8AC6-F8D628399A32}"/>
+                <a16:creationId xmlns:a16="http://schemas.microsoft.com/office/drawing/2014/main" id="{57DC640B-6A45-44F5-8AC6-F8D628399A32}"/>
               </a:ext>
             </a:extLst>
           </p:cNvPr>
@@ -3871,7 +3876,7 @@
           <p:cNvPr id="3" name="Content Placeholder 2">
             <a:extLst>
               <a:ext uri="{FF2B5EF4-FFF2-40B4-BE49-F238E27FC236}">
-                <a16:creationId xmlns:a16="http://schemas.microsoft.com/office/drawing/2014/main" xmlns="" id="{A350A6CB-B159-41D0-B0BC-EF74B67726AA}"/>
+                <a16:creationId xmlns:a16="http://schemas.microsoft.com/office/drawing/2014/main" id="{A350A6CB-B159-41D0-B0BC-EF74B67726AA}"/>
               </a:ext>
             </a:extLst>
           </p:cNvPr>
@@ -3896,7 +3901,7 @@
           <p:cNvPr id="4" name="Picture 3">
             <a:extLst>
               <a:ext uri="{FF2B5EF4-FFF2-40B4-BE49-F238E27FC236}">
-                <a16:creationId xmlns:a16="http://schemas.microsoft.com/office/drawing/2014/main" xmlns="" id="{EE8E8394-C170-497E-A591-276276E4213C}"/>
+                <a16:creationId xmlns:a16="http://schemas.microsoft.com/office/drawing/2014/main" id="{EE8E8394-C170-497E-A591-276276E4213C}"/>
               </a:ext>
             </a:extLst>
           </p:cNvPr>
@@ -3956,7 +3961,7 @@
           <p:cNvPr id="2" name="Title 1">
             <a:extLst>
               <a:ext uri="{FF2B5EF4-FFF2-40B4-BE49-F238E27FC236}">
-                <a16:creationId xmlns:a16="http://schemas.microsoft.com/office/drawing/2014/main" xmlns="" id="{57DC640B-6A45-44F5-8AC6-F8D628399A32}"/>
+                <a16:creationId xmlns:a16="http://schemas.microsoft.com/office/drawing/2014/main" id="{57DC640B-6A45-44F5-8AC6-F8D628399A32}"/>
               </a:ext>
             </a:extLst>
           </p:cNvPr>
@@ -3981,7 +3986,7 @@
           <p:cNvPr id="3" name="Content Placeholder 2">
             <a:extLst>
               <a:ext uri="{FF2B5EF4-FFF2-40B4-BE49-F238E27FC236}">
-                <a16:creationId xmlns:a16="http://schemas.microsoft.com/office/drawing/2014/main" xmlns="" id="{A350A6CB-B159-41D0-B0BC-EF74B67726AA}"/>
+                <a16:creationId xmlns:a16="http://schemas.microsoft.com/office/drawing/2014/main" id="{A350A6CB-B159-41D0-B0BC-EF74B67726AA}"/>
               </a:ext>
             </a:extLst>
           </p:cNvPr>
@@ -4006,7 +4011,7 @@
           <p:cNvPr id="4" name="Picture 3">
             <a:extLst>
               <a:ext uri="{FF2B5EF4-FFF2-40B4-BE49-F238E27FC236}">
-                <a16:creationId xmlns:a16="http://schemas.microsoft.com/office/drawing/2014/main" xmlns="" id="{EE8E8394-C170-497E-A591-276276E4213C}"/>
+                <a16:creationId xmlns:a16="http://schemas.microsoft.com/office/drawing/2014/main" id="{EE8E8394-C170-497E-A591-276276E4213C}"/>
               </a:ext>
             </a:extLst>
           </p:cNvPr>
@@ -4036,7 +4041,7 @@
           <p:cNvPr id="5" name="Picture 4">
             <a:extLst>
               <a:ext uri="{FF2B5EF4-FFF2-40B4-BE49-F238E27FC236}">
-                <a16:creationId xmlns:a16="http://schemas.microsoft.com/office/drawing/2014/main" xmlns="" id="{AFE8E80B-85C4-4D30-A44C-4E2373037AB6}"/>
+                <a16:creationId xmlns:a16="http://schemas.microsoft.com/office/drawing/2014/main" id="{AFE8E80B-85C4-4D30-A44C-4E2373037AB6}"/>
               </a:ext>
             </a:extLst>
           </p:cNvPr>
@@ -4096,7 +4101,7 @@
           <p:cNvPr id="2" name="Title 1">
             <a:extLst>
               <a:ext uri="{FF2B5EF4-FFF2-40B4-BE49-F238E27FC236}">
-                <a16:creationId xmlns:a16="http://schemas.microsoft.com/office/drawing/2014/main" xmlns="" id="{57DC640B-6A45-44F5-8AC6-F8D628399A32}"/>
+                <a16:creationId xmlns:a16="http://schemas.microsoft.com/office/drawing/2014/main" id="{57DC640B-6A45-44F5-8AC6-F8D628399A32}"/>
               </a:ext>
             </a:extLst>
           </p:cNvPr>
@@ -4121,7 +4126,7 @@
           <p:cNvPr id="3" name="Content Placeholder 2">
             <a:extLst>
               <a:ext uri="{FF2B5EF4-FFF2-40B4-BE49-F238E27FC236}">
-                <a16:creationId xmlns:a16="http://schemas.microsoft.com/office/drawing/2014/main" xmlns="" id="{A350A6CB-B159-41D0-B0BC-EF74B67726AA}"/>
+                <a16:creationId xmlns:a16="http://schemas.microsoft.com/office/drawing/2014/main" id="{A350A6CB-B159-41D0-B0BC-EF74B67726AA}"/>
               </a:ext>
             </a:extLst>
           </p:cNvPr>
@@ -4146,7 +4151,7 @@
           <p:cNvPr id="4" name="Picture 3">
             <a:extLst>
               <a:ext uri="{FF2B5EF4-FFF2-40B4-BE49-F238E27FC236}">
-                <a16:creationId xmlns:a16="http://schemas.microsoft.com/office/drawing/2014/main" xmlns="" id="{EE8E8394-C170-497E-A591-276276E4213C}"/>
+                <a16:creationId xmlns:a16="http://schemas.microsoft.com/office/drawing/2014/main" id="{EE8E8394-C170-497E-A591-276276E4213C}"/>
               </a:ext>
             </a:extLst>
           </p:cNvPr>
@@ -4176,7 +4181,7 @@
           <p:cNvPr id="5" name="Picture 4">
             <a:extLst>
               <a:ext uri="{FF2B5EF4-FFF2-40B4-BE49-F238E27FC236}">
-                <a16:creationId xmlns:a16="http://schemas.microsoft.com/office/drawing/2014/main" xmlns="" id="{AFE8E80B-85C4-4D30-A44C-4E2373037AB6}"/>
+                <a16:creationId xmlns:a16="http://schemas.microsoft.com/office/drawing/2014/main" id="{AFE8E80B-85C4-4D30-A44C-4E2373037AB6}"/>
               </a:ext>
             </a:extLst>
           </p:cNvPr>
@@ -4206,7 +4211,7 @@
           <p:cNvPr id="6" name="Picture 5">
             <a:extLst>
               <a:ext uri="{FF2B5EF4-FFF2-40B4-BE49-F238E27FC236}">
-                <a16:creationId xmlns:a16="http://schemas.microsoft.com/office/drawing/2014/main" xmlns="" id="{43C64F37-163D-43DC-B914-CE41318ECBE4}"/>
+                <a16:creationId xmlns:a16="http://schemas.microsoft.com/office/drawing/2014/main" id="{43C64F37-163D-43DC-B914-CE41318ECBE4}"/>
               </a:ext>
             </a:extLst>
           </p:cNvPr>
@@ -4266,7 +4271,7 @@
           <p:cNvPr id="2" name="Title 1">
             <a:extLst>
               <a:ext uri="{FF2B5EF4-FFF2-40B4-BE49-F238E27FC236}">
-                <a16:creationId xmlns:a16="http://schemas.microsoft.com/office/drawing/2014/main" xmlns="" id="{57DC640B-6A45-44F5-8AC6-F8D628399A32}"/>
+                <a16:creationId xmlns:a16="http://schemas.microsoft.com/office/drawing/2014/main" id="{57DC640B-6A45-44F5-8AC6-F8D628399A32}"/>
               </a:ext>
             </a:extLst>
           </p:cNvPr>
@@ -4291,7 +4296,7 @@
           <p:cNvPr id="3" name="Content Placeholder 2">
             <a:extLst>
               <a:ext uri="{FF2B5EF4-FFF2-40B4-BE49-F238E27FC236}">
-                <a16:creationId xmlns:a16="http://schemas.microsoft.com/office/drawing/2014/main" xmlns="" id="{A350A6CB-B159-41D0-B0BC-EF74B67726AA}"/>
+                <a16:creationId xmlns:a16="http://schemas.microsoft.com/office/drawing/2014/main" id="{A350A6CB-B159-41D0-B0BC-EF74B67726AA}"/>
               </a:ext>
             </a:extLst>
           </p:cNvPr>
@@ -4316,7 +4321,7 @@
           <p:cNvPr id="4" name="Picture 3">
             <a:extLst>
               <a:ext uri="{FF2B5EF4-FFF2-40B4-BE49-F238E27FC236}">
-                <a16:creationId xmlns:a16="http://schemas.microsoft.com/office/drawing/2014/main" xmlns="" id="{EE8E8394-C170-497E-A591-276276E4213C}"/>
+                <a16:creationId xmlns:a16="http://schemas.microsoft.com/office/drawing/2014/main" id="{EE8E8394-C170-497E-A591-276276E4213C}"/>
               </a:ext>
             </a:extLst>
           </p:cNvPr>
@@ -4346,7 +4351,7 @@
           <p:cNvPr id="5" name="Picture 4">
             <a:extLst>
               <a:ext uri="{FF2B5EF4-FFF2-40B4-BE49-F238E27FC236}">
-                <a16:creationId xmlns:a16="http://schemas.microsoft.com/office/drawing/2014/main" xmlns="" id="{AFE8E80B-85C4-4D30-A44C-4E2373037AB6}"/>
+                <a16:creationId xmlns:a16="http://schemas.microsoft.com/office/drawing/2014/main" id="{AFE8E80B-85C4-4D30-A44C-4E2373037AB6}"/>
               </a:ext>
             </a:extLst>
           </p:cNvPr>
@@ -4376,7 +4381,7 @@
           <p:cNvPr id="6" name="Picture 5">
             <a:extLst>
               <a:ext uri="{FF2B5EF4-FFF2-40B4-BE49-F238E27FC236}">
-                <a16:creationId xmlns:a16="http://schemas.microsoft.com/office/drawing/2014/main" xmlns="" id="{43C64F37-163D-43DC-B914-CE41318ECBE4}"/>
+                <a16:creationId xmlns:a16="http://schemas.microsoft.com/office/drawing/2014/main" id="{43C64F37-163D-43DC-B914-CE41318ECBE4}"/>
               </a:ext>
             </a:extLst>
           </p:cNvPr>
@@ -4406,7 +4411,7 @@
           <p:cNvPr id="7" name="Picture 6">
             <a:extLst>
               <a:ext uri="{FF2B5EF4-FFF2-40B4-BE49-F238E27FC236}">
-                <a16:creationId xmlns:a16="http://schemas.microsoft.com/office/drawing/2014/main" xmlns="" id="{2E88BDFA-7E40-430E-8EAA-9273C3DC3BD6}"/>
+                <a16:creationId xmlns:a16="http://schemas.microsoft.com/office/drawing/2014/main" id="{2E88BDFA-7E40-430E-8EAA-9273C3DC3BD6}"/>
               </a:ext>
             </a:extLst>
           </p:cNvPr>
@@ -4435,6 +4440,98 @@
     <p:extLst>
       <p:ext uri="{BB962C8B-B14F-4D97-AF65-F5344CB8AC3E}">
         <p14:creationId xmlns:p14="http://schemas.microsoft.com/office/powerpoint/2010/main" val="2928418916"/>
+      </p:ext>
+    </p:extLst>
+  </p:cSld>
+  <p:clrMapOvr>
+    <a:masterClrMapping/>
+  </p:clrMapOvr>
+</p:sld>
+</file>
+
+<file path=ppt/slides/slide19.xml><?xml version="1.0" encoding="utf-8"?>
+<p:sld xmlns:a="http://schemas.openxmlformats.org/drawingml/2006/main" xmlns:r="http://schemas.openxmlformats.org/officeDocument/2006/relationships" xmlns:p="http://schemas.openxmlformats.org/presentationml/2006/main">
+  <p:cSld>
+    <p:spTree>
+      <p:nvGrpSpPr>
+        <p:cNvPr id="1" name=""/>
+        <p:cNvGrpSpPr/>
+        <p:nvPr/>
+      </p:nvGrpSpPr>
+      <p:grpSpPr>
+        <a:xfrm>
+          <a:off x="0" y="0"/>
+          <a:ext cx="0" cy="0"/>
+          <a:chOff x="0" y="0"/>
+          <a:chExt cx="0" cy="0"/>
+        </a:xfrm>
+      </p:grpSpPr>
+      <p:sp>
+        <p:nvSpPr>
+          <p:cNvPr id="2" name="Title 1"/>
+          <p:cNvSpPr>
+            <a:spLocks noGrp="1"/>
+          </p:cNvSpPr>
+          <p:nvPr>
+            <p:ph type="title"/>
+          </p:nvPr>
+        </p:nvSpPr>
+        <p:spPr/>
+        <p:txBody>
+          <a:bodyPr/>
+          <a:lstStyle/>
+          <a:p>
+            <a:endParaRPr lang="en-US"/>
+          </a:p>
+        </p:txBody>
+      </p:sp>
+      <p:sp>
+        <p:nvSpPr>
+          <p:cNvPr id="3" name="Content Placeholder 2"/>
+          <p:cNvSpPr>
+            <a:spLocks noGrp="1"/>
+          </p:cNvSpPr>
+          <p:nvPr>
+            <p:ph idx="1"/>
+          </p:nvPr>
+        </p:nvSpPr>
+        <p:spPr/>
+        <p:txBody>
+          <a:bodyPr/>
+          <a:lstStyle/>
+          <a:p>
+            <a:endParaRPr lang="en-US"/>
+          </a:p>
+        </p:txBody>
+      </p:sp>
+      <p:pic>
+        <p:nvPicPr>
+          <p:cNvPr id="4" name="Picture 3"/>
+          <p:cNvPicPr>
+            <a:picLocks noChangeAspect="1"/>
+          </p:cNvPicPr>
+          <p:nvPr/>
+        </p:nvPicPr>
+        <p:blipFill>
+          <a:blip r:embed="rId2"/>
+          <a:stretch>
+            <a:fillRect/>
+          </a:stretch>
+        </p:blipFill>
+        <p:spPr>
+          <a:xfrm>
+            <a:off x="628651" y="365127"/>
+            <a:ext cx="7886700" cy="939146"/>
+          </a:xfrm>
+          <a:prstGeom prst="rect">
+            <a:avLst/>
+          </a:prstGeom>
+        </p:spPr>
+      </p:pic>
+    </p:spTree>
+    <p:extLst>
+      <p:ext uri="{BB962C8B-B14F-4D97-AF65-F5344CB8AC3E}">
+        <p14:creationId xmlns:p14="http://schemas.microsoft.com/office/powerpoint/2010/main" val="2483853008"/>
       </p:ext>
     </p:extLst>
   </p:cSld>
@@ -4466,7 +4563,7 @@
           <p:cNvPr id="2" name="Title 1">
             <a:extLst>
               <a:ext uri="{FF2B5EF4-FFF2-40B4-BE49-F238E27FC236}">
-                <a16:creationId xmlns:a16="http://schemas.microsoft.com/office/drawing/2014/main" xmlns="" id="{EC7C414F-8029-4258-A24E-2F8D62F5DF60}"/>
+                <a16:creationId xmlns:a16="http://schemas.microsoft.com/office/drawing/2014/main" id="{EC7C414F-8029-4258-A24E-2F8D62F5DF60}"/>
               </a:ext>
             </a:extLst>
           </p:cNvPr>
@@ -4491,7 +4588,7 @@
           <p:cNvPr id="3" name="Content Placeholder 2">
             <a:extLst>
               <a:ext uri="{FF2B5EF4-FFF2-40B4-BE49-F238E27FC236}">
-                <a16:creationId xmlns:a16="http://schemas.microsoft.com/office/drawing/2014/main" xmlns="" id="{463FB9BA-EE01-45B6-BF0F-EF77646B66F4}"/>
+                <a16:creationId xmlns:a16="http://schemas.microsoft.com/office/drawing/2014/main" id="{463FB9BA-EE01-45B6-BF0F-EF77646B66F4}"/>
               </a:ext>
             </a:extLst>
           </p:cNvPr>
@@ -4516,7 +4613,7 @@
           <p:cNvPr id="4" name="Picture 3">
             <a:extLst>
               <a:ext uri="{FF2B5EF4-FFF2-40B4-BE49-F238E27FC236}">
-                <a16:creationId xmlns:a16="http://schemas.microsoft.com/office/drawing/2014/main" xmlns="" id="{5A1CA6EA-C8B4-4D35-B713-EF2412462DA7}"/>
+                <a16:creationId xmlns:a16="http://schemas.microsoft.com/office/drawing/2014/main" id="{5A1CA6EA-C8B4-4D35-B713-EF2412462DA7}"/>
               </a:ext>
             </a:extLst>
           </p:cNvPr>
@@ -4546,7 +4643,7 @@
           <p:cNvPr id="6" name="Picture 5">
             <a:extLst>
               <a:ext uri="{FF2B5EF4-FFF2-40B4-BE49-F238E27FC236}">
-                <a16:creationId xmlns:a16="http://schemas.microsoft.com/office/drawing/2014/main" xmlns="" id="{94B14385-103B-4A75-9EA1-6C339A6BBECA}"/>
+                <a16:creationId xmlns:a16="http://schemas.microsoft.com/office/drawing/2014/main" id="{94B14385-103B-4A75-9EA1-6C339A6BBECA}"/>
               </a:ext>
             </a:extLst>
           </p:cNvPr>
@@ -4576,7 +4673,7 @@
           <p:cNvPr id="7" name="Picture 6">
             <a:extLst>
               <a:ext uri="{FF2B5EF4-FFF2-40B4-BE49-F238E27FC236}">
-                <a16:creationId xmlns:a16="http://schemas.microsoft.com/office/drawing/2014/main" xmlns="" id="{C1F0139D-FF7D-40F1-BC44-59683BCD6561}"/>
+                <a16:creationId xmlns:a16="http://schemas.microsoft.com/office/drawing/2014/main" id="{C1F0139D-FF7D-40F1-BC44-59683BCD6561}"/>
               </a:ext>
             </a:extLst>
           </p:cNvPr>
@@ -4605,6 +4702,614 @@
     <p:extLst>
       <p:ext uri="{BB962C8B-B14F-4D97-AF65-F5344CB8AC3E}">
         <p14:creationId xmlns:p14="http://schemas.microsoft.com/office/powerpoint/2010/main" val="3699310479"/>
+      </p:ext>
+    </p:extLst>
+  </p:cSld>
+  <p:clrMapOvr>
+    <a:masterClrMapping/>
+  </p:clrMapOvr>
+</p:sld>
+</file>
+
+<file path=ppt/slides/slide20.xml><?xml version="1.0" encoding="utf-8"?>
+<p:sld xmlns:a="http://schemas.openxmlformats.org/drawingml/2006/main" xmlns:r="http://schemas.openxmlformats.org/officeDocument/2006/relationships" xmlns:p="http://schemas.openxmlformats.org/presentationml/2006/main">
+  <p:cSld>
+    <p:spTree>
+      <p:nvGrpSpPr>
+        <p:cNvPr id="1" name=""/>
+        <p:cNvGrpSpPr/>
+        <p:nvPr/>
+      </p:nvGrpSpPr>
+      <p:grpSpPr>
+        <a:xfrm>
+          <a:off x="0" y="0"/>
+          <a:ext cx="0" cy="0"/>
+          <a:chOff x="0" y="0"/>
+          <a:chExt cx="0" cy="0"/>
+        </a:xfrm>
+      </p:grpSpPr>
+      <p:sp>
+        <p:nvSpPr>
+          <p:cNvPr id="2" name="Title 1"/>
+          <p:cNvSpPr>
+            <a:spLocks noGrp="1"/>
+          </p:cNvSpPr>
+          <p:nvPr>
+            <p:ph type="title"/>
+          </p:nvPr>
+        </p:nvSpPr>
+        <p:spPr/>
+        <p:txBody>
+          <a:bodyPr/>
+          <a:lstStyle/>
+          <a:p>
+            <a:endParaRPr lang="en-US"/>
+          </a:p>
+        </p:txBody>
+      </p:sp>
+      <p:sp>
+        <p:nvSpPr>
+          <p:cNvPr id="3" name="Content Placeholder 2"/>
+          <p:cNvSpPr>
+            <a:spLocks noGrp="1"/>
+          </p:cNvSpPr>
+          <p:nvPr>
+            <p:ph idx="1"/>
+          </p:nvPr>
+        </p:nvSpPr>
+        <p:spPr/>
+        <p:txBody>
+          <a:bodyPr/>
+          <a:lstStyle/>
+          <a:p>
+            <a:endParaRPr lang="en-US"/>
+          </a:p>
+        </p:txBody>
+      </p:sp>
+      <p:pic>
+        <p:nvPicPr>
+          <p:cNvPr id="4" name="Picture 3"/>
+          <p:cNvPicPr>
+            <a:picLocks noChangeAspect="1"/>
+          </p:cNvPicPr>
+          <p:nvPr/>
+        </p:nvPicPr>
+        <p:blipFill>
+          <a:blip r:embed="rId2"/>
+          <a:stretch>
+            <a:fillRect/>
+          </a:stretch>
+        </p:blipFill>
+        <p:spPr>
+          <a:xfrm>
+            <a:off x="628651" y="365127"/>
+            <a:ext cx="7886700" cy="939146"/>
+          </a:xfrm>
+          <a:prstGeom prst="rect">
+            <a:avLst/>
+          </a:prstGeom>
+        </p:spPr>
+      </p:pic>
+      <p:pic>
+        <p:nvPicPr>
+          <p:cNvPr id="5" name="Picture 4"/>
+          <p:cNvPicPr>
+            <a:picLocks noChangeAspect="1"/>
+          </p:cNvPicPr>
+          <p:nvPr/>
+        </p:nvPicPr>
+        <p:blipFill>
+          <a:blip r:embed="rId3"/>
+          <a:stretch>
+            <a:fillRect/>
+          </a:stretch>
+        </p:blipFill>
+        <p:spPr>
+          <a:xfrm>
+            <a:off x="628649" y="1692794"/>
+            <a:ext cx="7886700" cy="1626001"/>
+          </a:xfrm>
+          <a:prstGeom prst="rect">
+            <a:avLst/>
+          </a:prstGeom>
+        </p:spPr>
+      </p:pic>
+    </p:spTree>
+    <p:extLst>
+      <p:ext uri="{BB962C8B-B14F-4D97-AF65-F5344CB8AC3E}">
+        <p14:creationId xmlns:p14="http://schemas.microsoft.com/office/powerpoint/2010/main" val="2124923512"/>
+      </p:ext>
+    </p:extLst>
+  </p:cSld>
+  <p:clrMapOvr>
+    <a:masterClrMapping/>
+  </p:clrMapOvr>
+</p:sld>
+</file>
+
+<file path=ppt/slides/slide21.xml><?xml version="1.0" encoding="utf-8"?>
+<p:sld xmlns:a="http://schemas.openxmlformats.org/drawingml/2006/main" xmlns:r="http://schemas.openxmlformats.org/officeDocument/2006/relationships" xmlns:p="http://schemas.openxmlformats.org/presentationml/2006/main">
+  <p:cSld>
+    <p:spTree>
+      <p:nvGrpSpPr>
+        <p:cNvPr id="1" name=""/>
+        <p:cNvGrpSpPr/>
+        <p:nvPr/>
+      </p:nvGrpSpPr>
+      <p:grpSpPr>
+        <a:xfrm>
+          <a:off x="0" y="0"/>
+          <a:ext cx="0" cy="0"/>
+          <a:chOff x="0" y="0"/>
+          <a:chExt cx="0" cy="0"/>
+        </a:xfrm>
+      </p:grpSpPr>
+      <p:sp>
+        <p:nvSpPr>
+          <p:cNvPr id="2" name="Title 1"/>
+          <p:cNvSpPr>
+            <a:spLocks noGrp="1"/>
+          </p:cNvSpPr>
+          <p:nvPr>
+            <p:ph type="title"/>
+          </p:nvPr>
+        </p:nvSpPr>
+        <p:spPr/>
+        <p:txBody>
+          <a:bodyPr/>
+          <a:lstStyle/>
+          <a:p>
+            <a:endParaRPr lang="en-US"/>
+          </a:p>
+        </p:txBody>
+      </p:sp>
+      <p:sp>
+        <p:nvSpPr>
+          <p:cNvPr id="3" name="Content Placeholder 2"/>
+          <p:cNvSpPr>
+            <a:spLocks noGrp="1"/>
+          </p:cNvSpPr>
+          <p:nvPr>
+            <p:ph idx="1"/>
+          </p:nvPr>
+        </p:nvSpPr>
+        <p:spPr/>
+        <p:txBody>
+          <a:bodyPr/>
+          <a:lstStyle/>
+          <a:p>
+            <a:endParaRPr lang="en-US"/>
+          </a:p>
+        </p:txBody>
+      </p:sp>
+      <p:pic>
+        <p:nvPicPr>
+          <p:cNvPr id="4" name="Picture 3"/>
+          <p:cNvPicPr>
+            <a:picLocks noChangeAspect="1"/>
+          </p:cNvPicPr>
+          <p:nvPr/>
+        </p:nvPicPr>
+        <p:blipFill>
+          <a:blip r:embed="rId2"/>
+          <a:stretch>
+            <a:fillRect/>
+          </a:stretch>
+        </p:blipFill>
+        <p:spPr>
+          <a:xfrm>
+            <a:off x="628651" y="365127"/>
+            <a:ext cx="7886700" cy="939146"/>
+          </a:xfrm>
+          <a:prstGeom prst="rect">
+            <a:avLst/>
+          </a:prstGeom>
+        </p:spPr>
+      </p:pic>
+      <p:pic>
+        <p:nvPicPr>
+          <p:cNvPr id="5" name="Picture 4"/>
+          <p:cNvPicPr>
+            <a:picLocks noChangeAspect="1"/>
+          </p:cNvPicPr>
+          <p:nvPr/>
+        </p:nvPicPr>
+        <p:blipFill>
+          <a:blip r:embed="rId3"/>
+          <a:stretch>
+            <a:fillRect/>
+          </a:stretch>
+        </p:blipFill>
+        <p:spPr>
+          <a:xfrm>
+            <a:off x="628649" y="1692794"/>
+            <a:ext cx="7886700" cy="1626001"/>
+          </a:xfrm>
+          <a:prstGeom prst="rect">
+            <a:avLst/>
+          </a:prstGeom>
+        </p:spPr>
+      </p:pic>
+      <p:pic>
+        <p:nvPicPr>
+          <p:cNvPr id="6" name="Picture 5"/>
+          <p:cNvPicPr>
+            <a:picLocks noChangeAspect="1"/>
+          </p:cNvPicPr>
+          <p:nvPr/>
+        </p:nvPicPr>
+        <p:blipFill>
+          <a:blip r:embed="rId4"/>
+          <a:stretch>
+            <a:fillRect/>
+          </a:stretch>
+        </p:blipFill>
+        <p:spPr>
+          <a:xfrm>
+            <a:off x="628648" y="3317981"/>
+            <a:ext cx="7882502" cy="1010838"/>
+          </a:xfrm>
+          <a:prstGeom prst="rect">
+            <a:avLst/>
+          </a:prstGeom>
+        </p:spPr>
+      </p:pic>
+    </p:spTree>
+    <p:extLst>
+      <p:ext uri="{BB962C8B-B14F-4D97-AF65-F5344CB8AC3E}">
+        <p14:creationId xmlns:p14="http://schemas.microsoft.com/office/powerpoint/2010/main" val="3358701924"/>
+      </p:ext>
+    </p:extLst>
+  </p:cSld>
+  <p:clrMapOvr>
+    <a:masterClrMapping/>
+  </p:clrMapOvr>
+</p:sld>
+</file>
+
+<file path=ppt/slides/slide22.xml><?xml version="1.0" encoding="utf-8"?>
+<p:sld xmlns:a="http://schemas.openxmlformats.org/drawingml/2006/main" xmlns:r="http://schemas.openxmlformats.org/officeDocument/2006/relationships" xmlns:p="http://schemas.openxmlformats.org/presentationml/2006/main">
+  <p:cSld>
+    <p:spTree>
+      <p:nvGrpSpPr>
+        <p:cNvPr id="1" name=""/>
+        <p:cNvGrpSpPr/>
+        <p:nvPr/>
+      </p:nvGrpSpPr>
+      <p:grpSpPr>
+        <a:xfrm>
+          <a:off x="0" y="0"/>
+          <a:ext cx="0" cy="0"/>
+          <a:chOff x="0" y="0"/>
+          <a:chExt cx="0" cy="0"/>
+        </a:xfrm>
+      </p:grpSpPr>
+      <p:sp>
+        <p:nvSpPr>
+          <p:cNvPr id="2" name="Title 1"/>
+          <p:cNvSpPr>
+            <a:spLocks noGrp="1"/>
+          </p:cNvSpPr>
+          <p:nvPr>
+            <p:ph type="title"/>
+          </p:nvPr>
+        </p:nvSpPr>
+        <p:spPr/>
+        <p:txBody>
+          <a:bodyPr/>
+          <a:lstStyle/>
+          <a:p>
+            <a:endParaRPr lang="en-US"/>
+          </a:p>
+        </p:txBody>
+      </p:sp>
+      <p:sp>
+        <p:nvSpPr>
+          <p:cNvPr id="3" name="Content Placeholder 2"/>
+          <p:cNvSpPr>
+            <a:spLocks noGrp="1"/>
+          </p:cNvSpPr>
+          <p:nvPr>
+            <p:ph idx="1"/>
+          </p:nvPr>
+        </p:nvSpPr>
+        <p:spPr/>
+        <p:txBody>
+          <a:bodyPr/>
+          <a:lstStyle/>
+          <a:p>
+            <a:endParaRPr lang="en-US"/>
+          </a:p>
+        </p:txBody>
+      </p:sp>
+      <p:pic>
+        <p:nvPicPr>
+          <p:cNvPr id="4" name="Picture 3"/>
+          <p:cNvPicPr>
+            <a:picLocks noChangeAspect="1"/>
+          </p:cNvPicPr>
+          <p:nvPr/>
+        </p:nvPicPr>
+        <p:blipFill>
+          <a:blip r:embed="rId2"/>
+          <a:stretch>
+            <a:fillRect/>
+          </a:stretch>
+        </p:blipFill>
+        <p:spPr>
+          <a:xfrm>
+            <a:off x="628651" y="365127"/>
+            <a:ext cx="7886700" cy="939146"/>
+          </a:xfrm>
+          <a:prstGeom prst="rect">
+            <a:avLst/>
+          </a:prstGeom>
+        </p:spPr>
+      </p:pic>
+      <p:pic>
+        <p:nvPicPr>
+          <p:cNvPr id="5" name="Picture 4"/>
+          <p:cNvPicPr>
+            <a:picLocks noChangeAspect="1"/>
+          </p:cNvPicPr>
+          <p:nvPr/>
+        </p:nvPicPr>
+        <p:blipFill>
+          <a:blip r:embed="rId3"/>
+          <a:stretch>
+            <a:fillRect/>
+          </a:stretch>
+        </p:blipFill>
+        <p:spPr>
+          <a:xfrm>
+            <a:off x="628649" y="1692794"/>
+            <a:ext cx="7886700" cy="1626001"/>
+          </a:xfrm>
+          <a:prstGeom prst="rect">
+            <a:avLst/>
+          </a:prstGeom>
+        </p:spPr>
+      </p:pic>
+      <p:pic>
+        <p:nvPicPr>
+          <p:cNvPr id="6" name="Picture 5"/>
+          <p:cNvPicPr>
+            <a:picLocks noChangeAspect="1"/>
+          </p:cNvPicPr>
+          <p:nvPr/>
+        </p:nvPicPr>
+        <p:blipFill>
+          <a:blip r:embed="rId4"/>
+          <a:stretch>
+            <a:fillRect/>
+          </a:stretch>
+        </p:blipFill>
+        <p:spPr>
+          <a:xfrm>
+            <a:off x="628648" y="3317981"/>
+            <a:ext cx="7882502" cy="1010838"/>
+          </a:xfrm>
+          <a:prstGeom prst="rect">
+            <a:avLst/>
+          </a:prstGeom>
+        </p:spPr>
+      </p:pic>
+      <p:pic>
+        <p:nvPicPr>
+          <p:cNvPr id="7" name="Picture 6"/>
+          <p:cNvPicPr>
+            <a:picLocks noChangeAspect="1"/>
+          </p:cNvPicPr>
+          <p:nvPr/>
+        </p:nvPicPr>
+        <p:blipFill>
+          <a:blip r:embed="rId5"/>
+          <a:stretch>
+            <a:fillRect/>
+          </a:stretch>
+        </p:blipFill>
+        <p:spPr>
+          <a:xfrm>
+            <a:off x="628648" y="4328819"/>
+            <a:ext cx="7882502" cy="1026039"/>
+          </a:xfrm>
+          <a:prstGeom prst="rect">
+            <a:avLst/>
+          </a:prstGeom>
+        </p:spPr>
+      </p:pic>
+    </p:spTree>
+    <p:extLst>
+      <p:ext uri="{BB962C8B-B14F-4D97-AF65-F5344CB8AC3E}">
+        <p14:creationId xmlns:p14="http://schemas.microsoft.com/office/powerpoint/2010/main" val="2644842808"/>
+      </p:ext>
+    </p:extLst>
+  </p:cSld>
+  <p:clrMapOvr>
+    <a:masterClrMapping/>
+  </p:clrMapOvr>
+</p:sld>
+</file>
+
+<file path=ppt/slides/slide23.xml><?xml version="1.0" encoding="utf-8"?>
+<p:sld xmlns:a="http://schemas.openxmlformats.org/drawingml/2006/main" xmlns:r="http://schemas.openxmlformats.org/officeDocument/2006/relationships" xmlns:p="http://schemas.openxmlformats.org/presentationml/2006/main">
+  <p:cSld>
+    <p:spTree>
+      <p:nvGrpSpPr>
+        <p:cNvPr id="1" name=""/>
+        <p:cNvGrpSpPr/>
+        <p:nvPr/>
+      </p:nvGrpSpPr>
+      <p:grpSpPr>
+        <a:xfrm>
+          <a:off x="0" y="0"/>
+          <a:ext cx="0" cy="0"/>
+          <a:chOff x="0" y="0"/>
+          <a:chExt cx="0" cy="0"/>
+        </a:xfrm>
+      </p:grpSpPr>
+      <p:sp>
+        <p:nvSpPr>
+          <p:cNvPr id="2" name="Title 1"/>
+          <p:cNvSpPr>
+            <a:spLocks noGrp="1"/>
+          </p:cNvSpPr>
+          <p:nvPr>
+            <p:ph type="title"/>
+          </p:nvPr>
+        </p:nvSpPr>
+        <p:spPr/>
+        <p:txBody>
+          <a:bodyPr/>
+          <a:lstStyle/>
+          <a:p>
+            <a:endParaRPr lang="en-US"/>
+          </a:p>
+        </p:txBody>
+      </p:sp>
+      <p:sp>
+        <p:nvSpPr>
+          <p:cNvPr id="3" name="Content Placeholder 2"/>
+          <p:cNvSpPr>
+            <a:spLocks noGrp="1"/>
+          </p:cNvSpPr>
+          <p:nvPr>
+            <p:ph idx="1"/>
+          </p:nvPr>
+        </p:nvSpPr>
+        <p:spPr/>
+        <p:txBody>
+          <a:bodyPr/>
+          <a:lstStyle/>
+          <a:p>
+            <a:endParaRPr lang="en-US"/>
+          </a:p>
+        </p:txBody>
+      </p:sp>
+      <p:pic>
+        <p:nvPicPr>
+          <p:cNvPr id="4" name="Picture 3"/>
+          <p:cNvPicPr>
+            <a:picLocks noChangeAspect="1"/>
+          </p:cNvPicPr>
+          <p:nvPr/>
+        </p:nvPicPr>
+        <p:blipFill>
+          <a:blip r:embed="rId2"/>
+          <a:stretch>
+            <a:fillRect/>
+          </a:stretch>
+        </p:blipFill>
+        <p:spPr>
+          <a:xfrm>
+            <a:off x="628651" y="365127"/>
+            <a:ext cx="7886700" cy="939146"/>
+          </a:xfrm>
+          <a:prstGeom prst="rect">
+            <a:avLst/>
+          </a:prstGeom>
+        </p:spPr>
+      </p:pic>
+      <p:pic>
+        <p:nvPicPr>
+          <p:cNvPr id="5" name="Picture 4"/>
+          <p:cNvPicPr>
+            <a:picLocks noChangeAspect="1"/>
+          </p:cNvPicPr>
+          <p:nvPr/>
+        </p:nvPicPr>
+        <p:blipFill>
+          <a:blip r:embed="rId3"/>
+          <a:stretch>
+            <a:fillRect/>
+          </a:stretch>
+        </p:blipFill>
+        <p:spPr>
+          <a:xfrm>
+            <a:off x="628649" y="1692794"/>
+            <a:ext cx="7886700" cy="1626001"/>
+          </a:xfrm>
+          <a:prstGeom prst="rect">
+            <a:avLst/>
+          </a:prstGeom>
+        </p:spPr>
+      </p:pic>
+      <p:pic>
+        <p:nvPicPr>
+          <p:cNvPr id="6" name="Picture 5"/>
+          <p:cNvPicPr>
+            <a:picLocks noChangeAspect="1"/>
+          </p:cNvPicPr>
+          <p:nvPr/>
+        </p:nvPicPr>
+        <p:blipFill>
+          <a:blip r:embed="rId4"/>
+          <a:stretch>
+            <a:fillRect/>
+          </a:stretch>
+        </p:blipFill>
+        <p:spPr>
+          <a:xfrm>
+            <a:off x="628648" y="3317981"/>
+            <a:ext cx="7882502" cy="1010838"/>
+          </a:xfrm>
+          <a:prstGeom prst="rect">
+            <a:avLst/>
+          </a:prstGeom>
+        </p:spPr>
+      </p:pic>
+      <p:pic>
+        <p:nvPicPr>
+          <p:cNvPr id="7" name="Picture 6"/>
+          <p:cNvPicPr>
+            <a:picLocks noChangeAspect="1"/>
+          </p:cNvPicPr>
+          <p:nvPr/>
+        </p:nvPicPr>
+        <p:blipFill>
+          <a:blip r:embed="rId5"/>
+          <a:stretch>
+            <a:fillRect/>
+          </a:stretch>
+        </p:blipFill>
+        <p:spPr>
+          <a:xfrm>
+            <a:off x="628648" y="4328819"/>
+            <a:ext cx="7882502" cy="1026039"/>
+          </a:xfrm>
+          <a:prstGeom prst="rect">
+            <a:avLst/>
+          </a:prstGeom>
+        </p:spPr>
+      </p:pic>
+      <p:pic>
+        <p:nvPicPr>
+          <p:cNvPr id="8" name="Picture 7"/>
+          <p:cNvPicPr>
+            <a:picLocks noChangeAspect="1"/>
+          </p:cNvPicPr>
+          <p:nvPr/>
+        </p:nvPicPr>
+        <p:blipFill>
+          <a:blip r:embed="rId6"/>
+          <a:stretch>
+            <a:fillRect/>
+          </a:stretch>
+        </p:blipFill>
+        <p:spPr>
+          <a:xfrm>
+            <a:off x="628648" y="5354858"/>
+            <a:ext cx="7882502" cy="1079980"/>
+          </a:xfrm>
+          <a:prstGeom prst="rect">
+            <a:avLst/>
+          </a:prstGeom>
+        </p:spPr>
+      </p:pic>
+    </p:spTree>
+    <p:extLst>
+      <p:ext uri="{BB962C8B-B14F-4D97-AF65-F5344CB8AC3E}">
+        <p14:creationId xmlns:p14="http://schemas.microsoft.com/office/powerpoint/2010/main" val="2749702777"/>
       </p:ext>
     </p:extLst>
   </p:cSld>
@@ -4636,7 +5341,7 @@
           <p:cNvPr id="2" name="Title 1">
             <a:extLst>
               <a:ext uri="{FF2B5EF4-FFF2-40B4-BE49-F238E27FC236}">
-                <a16:creationId xmlns:a16="http://schemas.microsoft.com/office/drawing/2014/main" xmlns="" id="{1AAEAA80-8724-4829-944C-DF8335704B7A}"/>
+                <a16:creationId xmlns:a16="http://schemas.microsoft.com/office/drawing/2014/main" id="{1AAEAA80-8724-4829-944C-DF8335704B7A}"/>
               </a:ext>
             </a:extLst>
           </p:cNvPr>
@@ -4661,7 +5366,7 @@
           <p:cNvPr id="3" name="Content Placeholder 2">
             <a:extLst>
               <a:ext uri="{FF2B5EF4-FFF2-40B4-BE49-F238E27FC236}">
-                <a16:creationId xmlns:a16="http://schemas.microsoft.com/office/drawing/2014/main" xmlns="" id="{31D55554-9010-4CA0-A8E4-DD14ECBFE150}"/>
+                <a16:creationId xmlns:a16="http://schemas.microsoft.com/office/drawing/2014/main" id="{31D55554-9010-4CA0-A8E4-DD14ECBFE150}"/>
               </a:ext>
             </a:extLst>
           </p:cNvPr>
@@ -4686,7 +5391,7 @@
           <p:cNvPr id="4" name="Picture 3">
             <a:extLst>
               <a:ext uri="{FF2B5EF4-FFF2-40B4-BE49-F238E27FC236}">
-                <a16:creationId xmlns:a16="http://schemas.microsoft.com/office/drawing/2014/main" xmlns="" id="{5725FD63-BB6A-4B05-BD29-ECB745CCCD4D}"/>
+                <a16:creationId xmlns:a16="http://schemas.microsoft.com/office/drawing/2014/main" id="{5725FD63-BB6A-4B05-BD29-ECB745CCCD4D}"/>
               </a:ext>
             </a:extLst>
           </p:cNvPr>
@@ -4746,7 +5451,7 @@
           <p:cNvPr id="2" name="Title 1">
             <a:extLst>
               <a:ext uri="{FF2B5EF4-FFF2-40B4-BE49-F238E27FC236}">
-                <a16:creationId xmlns:a16="http://schemas.microsoft.com/office/drawing/2014/main" xmlns="" id="{E9784516-19E7-4512-AF07-70F6ED06971B}"/>
+                <a16:creationId xmlns:a16="http://schemas.microsoft.com/office/drawing/2014/main" id="{E9784516-19E7-4512-AF07-70F6ED06971B}"/>
               </a:ext>
             </a:extLst>
           </p:cNvPr>
@@ -4771,7 +5476,7 @@
           <p:cNvPr id="3" name="Content Placeholder 2">
             <a:extLst>
               <a:ext uri="{FF2B5EF4-FFF2-40B4-BE49-F238E27FC236}">
-                <a16:creationId xmlns:a16="http://schemas.microsoft.com/office/drawing/2014/main" xmlns="" id="{A08694BE-5302-48E0-AAC3-585935CD897E}"/>
+                <a16:creationId xmlns:a16="http://schemas.microsoft.com/office/drawing/2014/main" id="{A08694BE-5302-48E0-AAC3-585935CD897E}"/>
               </a:ext>
             </a:extLst>
           </p:cNvPr>
@@ -4796,7 +5501,7 @@
           <p:cNvPr id="4" name="Picture 3">
             <a:extLst>
               <a:ext uri="{FF2B5EF4-FFF2-40B4-BE49-F238E27FC236}">
-                <a16:creationId xmlns:a16="http://schemas.microsoft.com/office/drawing/2014/main" xmlns="" id="{EF0A260D-D3F0-4646-8FBC-33AEF7A3643E}"/>
+                <a16:creationId xmlns:a16="http://schemas.microsoft.com/office/drawing/2014/main" id="{EF0A260D-D3F0-4646-8FBC-33AEF7A3643E}"/>
               </a:ext>
             </a:extLst>
           </p:cNvPr>
@@ -4856,7 +5561,7 @@
           <p:cNvPr id="2" name="Title 1">
             <a:extLst>
               <a:ext uri="{FF2B5EF4-FFF2-40B4-BE49-F238E27FC236}">
-                <a16:creationId xmlns:a16="http://schemas.microsoft.com/office/drawing/2014/main" xmlns="" id="{E9784516-19E7-4512-AF07-70F6ED06971B}"/>
+                <a16:creationId xmlns:a16="http://schemas.microsoft.com/office/drawing/2014/main" id="{E9784516-19E7-4512-AF07-70F6ED06971B}"/>
               </a:ext>
             </a:extLst>
           </p:cNvPr>
@@ -4881,7 +5586,7 @@
           <p:cNvPr id="3" name="Content Placeholder 2">
             <a:extLst>
               <a:ext uri="{FF2B5EF4-FFF2-40B4-BE49-F238E27FC236}">
-                <a16:creationId xmlns:a16="http://schemas.microsoft.com/office/drawing/2014/main" xmlns="" id="{A08694BE-5302-48E0-AAC3-585935CD897E}"/>
+                <a16:creationId xmlns:a16="http://schemas.microsoft.com/office/drawing/2014/main" id="{A08694BE-5302-48E0-AAC3-585935CD897E}"/>
               </a:ext>
             </a:extLst>
           </p:cNvPr>
@@ -4906,7 +5611,7 @@
           <p:cNvPr id="4" name="Picture 3">
             <a:extLst>
               <a:ext uri="{FF2B5EF4-FFF2-40B4-BE49-F238E27FC236}">
-                <a16:creationId xmlns:a16="http://schemas.microsoft.com/office/drawing/2014/main" xmlns="" id="{EF0A260D-D3F0-4646-8FBC-33AEF7A3643E}"/>
+                <a16:creationId xmlns:a16="http://schemas.microsoft.com/office/drawing/2014/main" id="{EF0A260D-D3F0-4646-8FBC-33AEF7A3643E}"/>
               </a:ext>
             </a:extLst>
           </p:cNvPr>
@@ -4936,7 +5641,7 @@
           <p:cNvPr id="5" name="Picture 4">
             <a:extLst>
               <a:ext uri="{FF2B5EF4-FFF2-40B4-BE49-F238E27FC236}">
-                <a16:creationId xmlns:a16="http://schemas.microsoft.com/office/drawing/2014/main" xmlns="" id="{759A12FB-F774-4A88-898C-894F95B2F469}"/>
+                <a16:creationId xmlns:a16="http://schemas.microsoft.com/office/drawing/2014/main" id="{759A12FB-F774-4A88-898C-894F95B2F469}"/>
               </a:ext>
             </a:extLst>
           </p:cNvPr>
@@ -4996,7 +5701,7 @@
           <p:cNvPr id="2" name="Title 1">
             <a:extLst>
               <a:ext uri="{FF2B5EF4-FFF2-40B4-BE49-F238E27FC236}">
-                <a16:creationId xmlns:a16="http://schemas.microsoft.com/office/drawing/2014/main" xmlns="" id="{E9784516-19E7-4512-AF07-70F6ED06971B}"/>
+                <a16:creationId xmlns:a16="http://schemas.microsoft.com/office/drawing/2014/main" id="{E9784516-19E7-4512-AF07-70F6ED06971B}"/>
               </a:ext>
             </a:extLst>
           </p:cNvPr>
@@ -5021,7 +5726,7 @@
           <p:cNvPr id="3" name="Content Placeholder 2">
             <a:extLst>
               <a:ext uri="{FF2B5EF4-FFF2-40B4-BE49-F238E27FC236}">
-                <a16:creationId xmlns:a16="http://schemas.microsoft.com/office/drawing/2014/main" xmlns="" id="{A08694BE-5302-48E0-AAC3-585935CD897E}"/>
+                <a16:creationId xmlns:a16="http://schemas.microsoft.com/office/drawing/2014/main" id="{A08694BE-5302-48E0-AAC3-585935CD897E}"/>
               </a:ext>
             </a:extLst>
           </p:cNvPr>
@@ -5046,7 +5751,7 @@
           <p:cNvPr id="4" name="Picture 3">
             <a:extLst>
               <a:ext uri="{FF2B5EF4-FFF2-40B4-BE49-F238E27FC236}">
-                <a16:creationId xmlns:a16="http://schemas.microsoft.com/office/drawing/2014/main" xmlns="" id="{EF0A260D-D3F0-4646-8FBC-33AEF7A3643E}"/>
+                <a16:creationId xmlns:a16="http://schemas.microsoft.com/office/drawing/2014/main" id="{EF0A260D-D3F0-4646-8FBC-33AEF7A3643E}"/>
               </a:ext>
             </a:extLst>
           </p:cNvPr>
@@ -5076,7 +5781,7 @@
           <p:cNvPr id="5" name="Picture 4">
             <a:extLst>
               <a:ext uri="{FF2B5EF4-FFF2-40B4-BE49-F238E27FC236}">
-                <a16:creationId xmlns:a16="http://schemas.microsoft.com/office/drawing/2014/main" xmlns="" id="{759A12FB-F774-4A88-898C-894F95B2F469}"/>
+                <a16:creationId xmlns:a16="http://schemas.microsoft.com/office/drawing/2014/main" id="{759A12FB-F774-4A88-898C-894F95B2F469}"/>
               </a:ext>
             </a:extLst>
           </p:cNvPr>
@@ -5106,7 +5811,7 @@
           <p:cNvPr id="6" name="Picture 5">
             <a:extLst>
               <a:ext uri="{FF2B5EF4-FFF2-40B4-BE49-F238E27FC236}">
-                <a16:creationId xmlns:a16="http://schemas.microsoft.com/office/drawing/2014/main" xmlns="" id="{B531B667-7EA3-434F-9C07-EF51EC495B6C}"/>
+                <a16:creationId xmlns:a16="http://schemas.microsoft.com/office/drawing/2014/main" id="{B531B667-7EA3-434F-9C07-EF51EC495B6C}"/>
               </a:ext>
             </a:extLst>
           </p:cNvPr>
@@ -5166,7 +5871,7 @@
           <p:cNvPr id="2" name="Title 1">
             <a:extLst>
               <a:ext uri="{FF2B5EF4-FFF2-40B4-BE49-F238E27FC236}">
-                <a16:creationId xmlns:a16="http://schemas.microsoft.com/office/drawing/2014/main" xmlns="" id="{83E144EE-6EAB-4785-841C-346079F4E936}"/>
+                <a16:creationId xmlns:a16="http://schemas.microsoft.com/office/drawing/2014/main" id="{83E144EE-6EAB-4785-841C-346079F4E936}"/>
               </a:ext>
             </a:extLst>
           </p:cNvPr>
@@ -5191,7 +5896,7 @@
           <p:cNvPr id="3" name="Content Placeholder 2">
             <a:extLst>
               <a:ext uri="{FF2B5EF4-FFF2-40B4-BE49-F238E27FC236}">
-                <a16:creationId xmlns:a16="http://schemas.microsoft.com/office/drawing/2014/main" xmlns="" id="{CB9AA820-0B87-4246-AA92-395096EC4A01}"/>
+                <a16:creationId xmlns:a16="http://schemas.microsoft.com/office/drawing/2014/main" id="{CB9AA820-0B87-4246-AA92-395096EC4A01}"/>
               </a:ext>
             </a:extLst>
           </p:cNvPr>
@@ -5216,7 +5921,7 @@
           <p:cNvPr id="4" name="Picture 3">
             <a:extLst>
               <a:ext uri="{FF2B5EF4-FFF2-40B4-BE49-F238E27FC236}">
-                <a16:creationId xmlns:a16="http://schemas.microsoft.com/office/drawing/2014/main" xmlns="" id="{97D55BDB-FB78-4533-A064-E1CF4082BFB3}"/>
+                <a16:creationId xmlns:a16="http://schemas.microsoft.com/office/drawing/2014/main" id="{97D55BDB-FB78-4533-A064-E1CF4082BFB3}"/>
               </a:ext>
             </a:extLst>
           </p:cNvPr>
@@ -5276,7 +5981,7 @@
           <p:cNvPr id="2" name="Title 1">
             <a:extLst>
               <a:ext uri="{FF2B5EF4-FFF2-40B4-BE49-F238E27FC236}">
-                <a16:creationId xmlns:a16="http://schemas.microsoft.com/office/drawing/2014/main" xmlns="" id="{83E144EE-6EAB-4785-841C-346079F4E936}"/>
+                <a16:creationId xmlns:a16="http://schemas.microsoft.com/office/drawing/2014/main" id="{83E144EE-6EAB-4785-841C-346079F4E936}"/>
               </a:ext>
             </a:extLst>
           </p:cNvPr>
@@ -5301,7 +6006,7 @@
           <p:cNvPr id="3" name="Content Placeholder 2">
             <a:extLst>
               <a:ext uri="{FF2B5EF4-FFF2-40B4-BE49-F238E27FC236}">
-                <a16:creationId xmlns:a16="http://schemas.microsoft.com/office/drawing/2014/main" xmlns="" id="{CB9AA820-0B87-4246-AA92-395096EC4A01}"/>
+                <a16:creationId xmlns:a16="http://schemas.microsoft.com/office/drawing/2014/main" id="{CB9AA820-0B87-4246-AA92-395096EC4A01}"/>
               </a:ext>
             </a:extLst>
           </p:cNvPr>
@@ -5326,7 +6031,7 @@
           <p:cNvPr id="4" name="Picture 3">
             <a:extLst>
               <a:ext uri="{FF2B5EF4-FFF2-40B4-BE49-F238E27FC236}">
-                <a16:creationId xmlns:a16="http://schemas.microsoft.com/office/drawing/2014/main" xmlns="" id="{97D55BDB-FB78-4533-A064-E1CF4082BFB3}"/>
+                <a16:creationId xmlns:a16="http://schemas.microsoft.com/office/drawing/2014/main" id="{97D55BDB-FB78-4533-A064-E1CF4082BFB3}"/>
               </a:ext>
             </a:extLst>
           </p:cNvPr>
@@ -5356,7 +6061,7 @@
           <p:cNvPr id="5" name="Picture 4">
             <a:extLst>
               <a:ext uri="{FF2B5EF4-FFF2-40B4-BE49-F238E27FC236}">
-                <a16:creationId xmlns:a16="http://schemas.microsoft.com/office/drawing/2014/main" xmlns="" id="{F23795FE-72CE-43BA-B6DA-E3E2F6297979}"/>
+                <a16:creationId xmlns:a16="http://schemas.microsoft.com/office/drawing/2014/main" id="{F23795FE-72CE-43BA-B6DA-E3E2F6297979}"/>
               </a:ext>
             </a:extLst>
           </p:cNvPr>
@@ -5416,7 +6121,7 @@
           <p:cNvPr id="2" name="Title 1">
             <a:extLst>
               <a:ext uri="{FF2B5EF4-FFF2-40B4-BE49-F238E27FC236}">
-                <a16:creationId xmlns:a16="http://schemas.microsoft.com/office/drawing/2014/main" xmlns="" id="{D2471832-460E-4AE2-8F41-5EA3BC5ABD9F}"/>
+                <a16:creationId xmlns:a16="http://schemas.microsoft.com/office/drawing/2014/main" id="{D2471832-460E-4AE2-8F41-5EA3BC5ABD9F}"/>
               </a:ext>
             </a:extLst>
           </p:cNvPr>
@@ -5441,7 +6146,7 @@
           <p:cNvPr id="3" name="Content Placeholder 2">
             <a:extLst>
               <a:ext uri="{FF2B5EF4-FFF2-40B4-BE49-F238E27FC236}">
-                <a16:creationId xmlns:a16="http://schemas.microsoft.com/office/drawing/2014/main" xmlns="" id="{E7F1981D-CE33-4D4D-A5B9-7EA5A709D8EE}"/>
+                <a16:creationId xmlns:a16="http://schemas.microsoft.com/office/drawing/2014/main" id="{E7F1981D-CE33-4D4D-A5B9-7EA5A709D8EE}"/>
               </a:ext>
             </a:extLst>
           </p:cNvPr>
@@ -5466,7 +6171,7 @@
           <p:cNvPr id="4" name="Picture 3">
             <a:extLst>
               <a:ext uri="{FF2B5EF4-FFF2-40B4-BE49-F238E27FC236}">
-                <a16:creationId xmlns:a16="http://schemas.microsoft.com/office/drawing/2014/main" xmlns="" id="{7DF03FCB-6088-442E-851D-AC3E5DE7E9DF}"/>
+                <a16:creationId xmlns:a16="http://schemas.microsoft.com/office/drawing/2014/main" id="{7DF03FCB-6088-442E-851D-AC3E5DE7E9DF}"/>
               </a:ext>
             </a:extLst>
           </p:cNvPr>

--- a/integration.pptx
+++ b/integration.pptx
@@ -28,6 +28,8 @@
     <p:sldId id="276" r:id="rId22"/>
     <p:sldId id="277" r:id="rId23"/>
     <p:sldId id="278" r:id="rId24"/>
+    <p:sldId id="279" r:id="rId25"/>
+    <p:sldId id="280" r:id="rId26"/>
   </p:sldIdLst>
   <p:sldSz cx="9144000" cy="6858000" type="screen4x3"/>
   <p:notesSz cx="6858000" cy="9144000"/>
@@ -265,7 +267,7 @@
           <a:p>
             <a:fld id="{C1D16ED1-21E1-467F-A6E2-EA9E5B2B328D}" type="datetimeFigureOut">
               <a:rPr lang="en-US" smtClean="0"/>
-              <a:t>11/5/2017</a:t>
+              <a:t>11/7/2017</a:t>
             </a:fld>
             <a:endParaRPr lang="en-US"/>
           </a:p>
@@ -435,7 +437,7 @@
           <a:p>
             <a:fld id="{C1D16ED1-21E1-467F-A6E2-EA9E5B2B328D}" type="datetimeFigureOut">
               <a:rPr lang="en-US" smtClean="0"/>
-              <a:t>11/5/2017</a:t>
+              <a:t>11/7/2017</a:t>
             </a:fld>
             <a:endParaRPr lang="en-US"/>
           </a:p>
@@ -615,7 +617,7 @@
           <a:p>
             <a:fld id="{C1D16ED1-21E1-467F-A6E2-EA9E5B2B328D}" type="datetimeFigureOut">
               <a:rPr lang="en-US" smtClean="0"/>
-              <a:t>11/5/2017</a:t>
+              <a:t>11/7/2017</a:t>
             </a:fld>
             <a:endParaRPr lang="en-US"/>
           </a:p>
@@ -785,7 +787,7 @@
           <a:p>
             <a:fld id="{C1D16ED1-21E1-467F-A6E2-EA9E5B2B328D}" type="datetimeFigureOut">
               <a:rPr lang="en-US" smtClean="0"/>
-              <a:t>11/5/2017</a:t>
+              <a:t>11/7/2017</a:t>
             </a:fld>
             <a:endParaRPr lang="en-US"/>
           </a:p>
@@ -1029,7 +1031,7 @@
           <a:p>
             <a:fld id="{C1D16ED1-21E1-467F-A6E2-EA9E5B2B328D}" type="datetimeFigureOut">
               <a:rPr lang="en-US" smtClean="0"/>
-              <a:t>11/5/2017</a:t>
+              <a:t>11/7/2017</a:t>
             </a:fld>
             <a:endParaRPr lang="en-US"/>
           </a:p>
@@ -1261,7 +1263,7 @@
           <a:p>
             <a:fld id="{C1D16ED1-21E1-467F-A6E2-EA9E5B2B328D}" type="datetimeFigureOut">
               <a:rPr lang="en-US" smtClean="0"/>
-              <a:t>11/5/2017</a:t>
+              <a:t>11/7/2017</a:t>
             </a:fld>
             <a:endParaRPr lang="en-US"/>
           </a:p>
@@ -1628,7 +1630,7 @@
           <a:p>
             <a:fld id="{C1D16ED1-21E1-467F-A6E2-EA9E5B2B328D}" type="datetimeFigureOut">
               <a:rPr lang="en-US" smtClean="0"/>
-              <a:t>11/5/2017</a:t>
+              <a:t>11/7/2017</a:t>
             </a:fld>
             <a:endParaRPr lang="en-US"/>
           </a:p>
@@ -1746,7 +1748,7 @@
           <a:p>
             <a:fld id="{C1D16ED1-21E1-467F-A6E2-EA9E5B2B328D}" type="datetimeFigureOut">
               <a:rPr lang="en-US" smtClean="0"/>
-              <a:t>11/5/2017</a:t>
+              <a:t>11/7/2017</a:t>
             </a:fld>
             <a:endParaRPr lang="en-US"/>
           </a:p>
@@ -1841,7 +1843,7 @@
           <a:p>
             <a:fld id="{C1D16ED1-21E1-467F-A6E2-EA9E5B2B328D}" type="datetimeFigureOut">
               <a:rPr lang="en-US" smtClean="0"/>
-              <a:t>11/5/2017</a:t>
+              <a:t>11/7/2017</a:t>
             </a:fld>
             <a:endParaRPr lang="en-US"/>
           </a:p>
@@ -2118,7 +2120,7 @@
           <a:p>
             <a:fld id="{C1D16ED1-21E1-467F-A6E2-EA9E5B2B328D}" type="datetimeFigureOut">
               <a:rPr lang="en-US" smtClean="0"/>
-              <a:t>11/5/2017</a:t>
+              <a:t>11/7/2017</a:t>
             </a:fld>
             <a:endParaRPr lang="en-US"/>
           </a:p>
@@ -2375,7 +2377,7 @@
           <a:p>
             <a:fld id="{C1D16ED1-21E1-467F-A6E2-EA9E5B2B328D}" type="datetimeFigureOut">
               <a:rPr lang="en-US" smtClean="0"/>
-              <a:t>11/5/2017</a:t>
+              <a:t>11/7/2017</a:t>
             </a:fld>
             <a:endParaRPr lang="en-US"/>
           </a:p>
@@ -2588,7 +2590,7 @@
           <a:p>
             <a:fld id="{C1D16ED1-21E1-467F-A6E2-EA9E5B2B328D}" type="datetimeFigureOut">
               <a:rPr lang="en-US" smtClean="0"/>
-              <a:t>11/5/2017</a:t>
+              <a:t>11/7/2017</a:t>
             </a:fld>
             <a:endParaRPr lang="en-US"/>
           </a:p>
@@ -3012,7 +3014,7 @@
           <p:cNvPr id="2" name="Title 1">
             <a:extLst>
               <a:ext uri="{FF2B5EF4-FFF2-40B4-BE49-F238E27FC236}">
-                <a16:creationId xmlns:a16="http://schemas.microsoft.com/office/drawing/2014/main" id="{2CFAB188-168C-4BE0-80A0-7F6C712FFF3C}"/>
+                <a16:creationId xmlns:a16="http://schemas.microsoft.com/office/drawing/2014/main" xmlns="" id="{2CFAB188-168C-4BE0-80A0-7F6C712FFF3C}"/>
               </a:ext>
             </a:extLst>
           </p:cNvPr>
@@ -3040,7 +3042,7 @@
           <p:cNvPr id="3" name="Subtitle 2">
             <a:extLst>
               <a:ext uri="{FF2B5EF4-FFF2-40B4-BE49-F238E27FC236}">
-                <a16:creationId xmlns:a16="http://schemas.microsoft.com/office/drawing/2014/main" id="{FC5496F8-B788-4FF5-B534-D9658098C1D0}"/>
+                <a16:creationId xmlns:a16="http://schemas.microsoft.com/office/drawing/2014/main" xmlns="" id="{FC5496F8-B788-4FF5-B534-D9658098C1D0}"/>
               </a:ext>
             </a:extLst>
           </p:cNvPr>
@@ -3095,7 +3097,7 @@
           <p:cNvPr id="2" name="Title 1">
             <a:extLst>
               <a:ext uri="{FF2B5EF4-FFF2-40B4-BE49-F238E27FC236}">
-                <a16:creationId xmlns:a16="http://schemas.microsoft.com/office/drawing/2014/main" id="{746E0923-4BA7-48E2-A3C5-55EF455EEE5B}"/>
+                <a16:creationId xmlns:a16="http://schemas.microsoft.com/office/drawing/2014/main" xmlns="" id="{746E0923-4BA7-48E2-A3C5-55EF455EEE5B}"/>
               </a:ext>
             </a:extLst>
           </p:cNvPr>
@@ -3120,7 +3122,7 @@
           <p:cNvPr id="4" name="Picture 3">
             <a:extLst>
               <a:ext uri="{FF2B5EF4-FFF2-40B4-BE49-F238E27FC236}">
-                <a16:creationId xmlns:a16="http://schemas.microsoft.com/office/drawing/2014/main" id="{09935299-12A8-4730-AC37-AFCE51C26872}"/>
+                <a16:creationId xmlns:a16="http://schemas.microsoft.com/office/drawing/2014/main" xmlns="" id="{09935299-12A8-4730-AC37-AFCE51C26872}"/>
               </a:ext>
             </a:extLst>
           </p:cNvPr>
@@ -3180,7 +3182,7 @@
           <p:cNvPr id="2" name="Title 1">
             <a:extLst>
               <a:ext uri="{FF2B5EF4-FFF2-40B4-BE49-F238E27FC236}">
-                <a16:creationId xmlns:a16="http://schemas.microsoft.com/office/drawing/2014/main" id="{746E0923-4BA7-48E2-A3C5-55EF455EEE5B}"/>
+                <a16:creationId xmlns:a16="http://schemas.microsoft.com/office/drawing/2014/main" xmlns="" id="{746E0923-4BA7-48E2-A3C5-55EF455EEE5B}"/>
               </a:ext>
             </a:extLst>
           </p:cNvPr>
@@ -3205,7 +3207,7 @@
           <p:cNvPr id="4" name="Picture 3">
             <a:extLst>
               <a:ext uri="{FF2B5EF4-FFF2-40B4-BE49-F238E27FC236}">
-                <a16:creationId xmlns:a16="http://schemas.microsoft.com/office/drawing/2014/main" id="{09935299-12A8-4730-AC37-AFCE51C26872}"/>
+                <a16:creationId xmlns:a16="http://schemas.microsoft.com/office/drawing/2014/main" xmlns="" id="{09935299-12A8-4730-AC37-AFCE51C26872}"/>
               </a:ext>
             </a:extLst>
           </p:cNvPr>
@@ -3235,7 +3237,7 @@
           <p:cNvPr id="5" name="Picture 4">
             <a:extLst>
               <a:ext uri="{FF2B5EF4-FFF2-40B4-BE49-F238E27FC236}">
-                <a16:creationId xmlns:a16="http://schemas.microsoft.com/office/drawing/2014/main" id="{936B7513-2CA6-4679-B0C0-E16963BDEE5B}"/>
+                <a16:creationId xmlns:a16="http://schemas.microsoft.com/office/drawing/2014/main" xmlns="" id="{936B7513-2CA6-4679-B0C0-E16963BDEE5B}"/>
               </a:ext>
             </a:extLst>
           </p:cNvPr>
@@ -3265,7 +3267,7 @@
           <p:cNvPr id="9" name="Content Placeholder 8">
             <a:extLst>
               <a:ext uri="{FF2B5EF4-FFF2-40B4-BE49-F238E27FC236}">
-                <a16:creationId xmlns:a16="http://schemas.microsoft.com/office/drawing/2014/main" id="{0C4A1AF7-F704-478D-9D91-2DE2672F4D28}"/>
+                <a16:creationId xmlns:a16="http://schemas.microsoft.com/office/drawing/2014/main" xmlns="" id="{0C4A1AF7-F704-478D-9D91-2DE2672F4D28}"/>
               </a:ext>
             </a:extLst>
           </p:cNvPr>
@@ -3320,7 +3322,7 @@
           <p:cNvPr id="2" name="Title 1">
             <a:extLst>
               <a:ext uri="{FF2B5EF4-FFF2-40B4-BE49-F238E27FC236}">
-                <a16:creationId xmlns:a16="http://schemas.microsoft.com/office/drawing/2014/main" id="{746E0923-4BA7-48E2-A3C5-55EF455EEE5B}"/>
+                <a16:creationId xmlns:a16="http://schemas.microsoft.com/office/drawing/2014/main" xmlns="" id="{746E0923-4BA7-48E2-A3C5-55EF455EEE5B}"/>
               </a:ext>
             </a:extLst>
           </p:cNvPr>
@@ -3345,7 +3347,7 @@
           <p:cNvPr id="6" name="Content Placeholder 5">
             <a:extLst>
               <a:ext uri="{FF2B5EF4-FFF2-40B4-BE49-F238E27FC236}">
-                <a16:creationId xmlns:a16="http://schemas.microsoft.com/office/drawing/2014/main" id="{6EBF62B3-E089-4F0C-AD43-B9CAC9EC4169}"/>
+                <a16:creationId xmlns:a16="http://schemas.microsoft.com/office/drawing/2014/main" xmlns="" id="{6EBF62B3-E089-4F0C-AD43-B9CAC9EC4169}"/>
               </a:ext>
             </a:extLst>
           </p:cNvPr>
@@ -3377,7 +3379,7 @@
           <p:cNvPr id="4" name="Picture 3">
             <a:extLst>
               <a:ext uri="{FF2B5EF4-FFF2-40B4-BE49-F238E27FC236}">
-                <a16:creationId xmlns:a16="http://schemas.microsoft.com/office/drawing/2014/main" id="{09935299-12A8-4730-AC37-AFCE51C26872}"/>
+                <a16:creationId xmlns:a16="http://schemas.microsoft.com/office/drawing/2014/main" xmlns="" id="{09935299-12A8-4730-AC37-AFCE51C26872}"/>
               </a:ext>
             </a:extLst>
           </p:cNvPr>
@@ -3407,7 +3409,7 @@
           <p:cNvPr id="5" name="Picture 4">
             <a:extLst>
               <a:ext uri="{FF2B5EF4-FFF2-40B4-BE49-F238E27FC236}">
-                <a16:creationId xmlns:a16="http://schemas.microsoft.com/office/drawing/2014/main" id="{936B7513-2CA6-4679-B0C0-E16963BDEE5B}"/>
+                <a16:creationId xmlns:a16="http://schemas.microsoft.com/office/drawing/2014/main" xmlns="" id="{936B7513-2CA6-4679-B0C0-E16963BDEE5B}"/>
               </a:ext>
             </a:extLst>
           </p:cNvPr>
@@ -3467,7 +3469,7 @@
           <p:cNvPr id="2" name="Title 1">
             <a:extLst>
               <a:ext uri="{FF2B5EF4-FFF2-40B4-BE49-F238E27FC236}">
-                <a16:creationId xmlns:a16="http://schemas.microsoft.com/office/drawing/2014/main" id="{746E0923-4BA7-48E2-A3C5-55EF455EEE5B}"/>
+                <a16:creationId xmlns:a16="http://schemas.microsoft.com/office/drawing/2014/main" xmlns="" id="{746E0923-4BA7-48E2-A3C5-55EF455EEE5B}"/>
               </a:ext>
             </a:extLst>
           </p:cNvPr>
@@ -3492,7 +3494,7 @@
           <p:cNvPr id="6" name="Content Placeholder 5">
             <a:extLst>
               <a:ext uri="{FF2B5EF4-FFF2-40B4-BE49-F238E27FC236}">
-                <a16:creationId xmlns:a16="http://schemas.microsoft.com/office/drawing/2014/main" id="{6EBF62B3-E089-4F0C-AD43-B9CAC9EC4169}"/>
+                <a16:creationId xmlns:a16="http://schemas.microsoft.com/office/drawing/2014/main" xmlns="" id="{6EBF62B3-E089-4F0C-AD43-B9CAC9EC4169}"/>
               </a:ext>
             </a:extLst>
           </p:cNvPr>
@@ -3524,7 +3526,7 @@
           <p:cNvPr id="4" name="Picture 3">
             <a:extLst>
               <a:ext uri="{FF2B5EF4-FFF2-40B4-BE49-F238E27FC236}">
-                <a16:creationId xmlns:a16="http://schemas.microsoft.com/office/drawing/2014/main" id="{09935299-12A8-4730-AC37-AFCE51C26872}"/>
+                <a16:creationId xmlns:a16="http://schemas.microsoft.com/office/drawing/2014/main" xmlns="" id="{09935299-12A8-4730-AC37-AFCE51C26872}"/>
               </a:ext>
             </a:extLst>
           </p:cNvPr>
@@ -3554,7 +3556,7 @@
           <p:cNvPr id="5" name="Picture 4">
             <a:extLst>
               <a:ext uri="{FF2B5EF4-FFF2-40B4-BE49-F238E27FC236}">
-                <a16:creationId xmlns:a16="http://schemas.microsoft.com/office/drawing/2014/main" id="{936B7513-2CA6-4679-B0C0-E16963BDEE5B}"/>
+                <a16:creationId xmlns:a16="http://schemas.microsoft.com/office/drawing/2014/main" xmlns="" id="{936B7513-2CA6-4679-B0C0-E16963BDEE5B}"/>
               </a:ext>
             </a:extLst>
           </p:cNvPr>
@@ -3584,7 +3586,7 @@
           <p:cNvPr id="7" name="Picture 6">
             <a:extLst>
               <a:ext uri="{FF2B5EF4-FFF2-40B4-BE49-F238E27FC236}">
-                <a16:creationId xmlns:a16="http://schemas.microsoft.com/office/drawing/2014/main" id="{C6B12BD9-E7E6-439A-8C6A-964AAB0C7CE5}"/>
+                <a16:creationId xmlns:a16="http://schemas.microsoft.com/office/drawing/2014/main" xmlns="" id="{C6B12BD9-E7E6-439A-8C6A-964AAB0C7CE5}"/>
               </a:ext>
             </a:extLst>
           </p:cNvPr>
@@ -3644,7 +3646,7 @@
           <p:cNvPr id="2" name="Title 1">
             <a:extLst>
               <a:ext uri="{FF2B5EF4-FFF2-40B4-BE49-F238E27FC236}">
-                <a16:creationId xmlns:a16="http://schemas.microsoft.com/office/drawing/2014/main" id="{746E0923-4BA7-48E2-A3C5-55EF455EEE5B}"/>
+                <a16:creationId xmlns:a16="http://schemas.microsoft.com/office/drawing/2014/main" xmlns="" id="{746E0923-4BA7-48E2-A3C5-55EF455EEE5B}"/>
               </a:ext>
             </a:extLst>
           </p:cNvPr>
@@ -3669,7 +3671,7 @@
           <p:cNvPr id="6" name="Content Placeholder 5">
             <a:extLst>
               <a:ext uri="{FF2B5EF4-FFF2-40B4-BE49-F238E27FC236}">
-                <a16:creationId xmlns:a16="http://schemas.microsoft.com/office/drawing/2014/main" id="{6EBF62B3-E089-4F0C-AD43-B9CAC9EC4169}"/>
+                <a16:creationId xmlns:a16="http://schemas.microsoft.com/office/drawing/2014/main" xmlns="" id="{6EBF62B3-E089-4F0C-AD43-B9CAC9EC4169}"/>
               </a:ext>
             </a:extLst>
           </p:cNvPr>
@@ -3701,7 +3703,7 @@
           <p:cNvPr id="4" name="Picture 3">
             <a:extLst>
               <a:ext uri="{FF2B5EF4-FFF2-40B4-BE49-F238E27FC236}">
-                <a16:creationId xmlns:a16="http://schemas.microsoft.com/office/drawing/2014/main" id="{09935299-12A8-4730-AC37-AFCE51C26872}"/>
+                <a16:creationId xmlns:a16="http://schemas.microsoft.com/office/drawing/2014/main" xmlns="" id="{09935299-12A8-4730-AC37-AFCE51C26872}"/>
               </a:ext>
             </a:extLst>
           </p:cNvPr>
@@ -3731,7 +3733,7 @@
           <p:cNvPr id="5" name="Picture 4">
             <a:extLst>
               <a:ext uri="{FF2B5EF4-FFF2-40B4-BE49-F238E27FC236}">
-                <a16:creationId xmlns:a16="http://schemas.microsoft.com/office/drawing/2014/main" id="{936B7513-2CA6-4679-B0C0-E16963BDEE5B}"/>
+                <a16:creationId xmlns:a16="http://schemas.microsoft.com/office/drawing/2014/main" xmlns="" id="{936B7513-2CA6-4679-B0C0-E16963BDEE5B}"/>
               </a:ext>
             </a:extLst>
           </p:cNvPr>
@@ -3761,7 +3763,7 @@
           <p:cNvPr id="7" name="Picture 6">
             <a:extLst>
               <a:ext uri="{FF2B5EF4-FFF2-40B4-BE49-F238E27FC236}">
-                <a16:creationId xmlns:a16="http://schemas.microsoft.com/office/drawing/2014/main" id="{C6B12BD9-E7E6-439A-8C6A-964AAB0C7CE5}"/>
+                <a16:creationId xmlns:a16="http://schemas.microsoft.com/office/drawing/2014/main" xmlns="" id="{C6B12BD9-E7E6-439A-8C6A-964AAB0C7CE5}"/>
               </a:ext>
             </a:extLst>
           </p:cNvPr>
@@ -3791,7 +3793,7 @@
           <p:cNvPr id="8" name="Picture 7">
             <a:extLst>
               <a:ext uri="{FF2B5EF4-FFF2-40B4-BE49-F238E27FC236}">
-                <a16:creationId xmlns:a16="http://schemas.microsoft.com/office/drawing/2014/main" id="{5E99652D-5164-4B4E-BA57-D51E245D8CE8}"/>
+                <a16:creationId xmlns:a16="http://schemas.microsoft.com/office/drawing/2014/main" xmlns="" id="{5E99652D-5164-4B4E-BA57-D51E245D8CE8}"/>
               </a:ext>
             </a:extLst>
           </p:cNvPr>
@@ -3851,7 +3853,7 @@
           <p:cNvPr id="2" name="Title 1">
             <a:extLst>
               <a:ext uri="{FF2B5EF4-FFF2-40B4-BE49-F238E27FC236}">
-                <a16:creationId xmlns:a16="http://schemas.microsoft.com/office/drawing/2014/main" id="{57DC640B-6A45-44F5-8AC6-F8D628399A32}"/>
+                <a16:creationId xmlns:a16="http://schemas.microsoft.com/office/drawing/2014/main" xmlns="" id="{57DC640B-6A45-44F5-8AC6-F8D628399A32}"/>
               </a:ext>
             </a:extLst>
           </p:cNvPr>
@@ -3876,7 +3878,7 @@
           <p:cNvPr id="3" name="Content Placeholder 2">
             <a:extLst>
               <a:ext uri="{FF2B5EF4-FFF2-40B4-BE49-F238E27FC236}">
-                <a16:creationId xmlns:a16="http://schemas.microsoft.com/office/drawing/2014/main" id="{A350A6CB-B159-41D0-B0BC-EF74B67726AA}"/>
+                <a16:creationId xmlns:a16="http://schemas.microsoft.com/office/drawing/2014/main" xmlns="" id="{A350A6CB-B159-41D0-B0BC-EF74B67726AA}"/>
               </a:ext>
             </a:extLst>
           </p:cNvPr>
@@ -3901,7 +3903,7 @@
           <p:cNvPr id="4" name="Picture 3">
             <a:extLst>
               <a:ext uri="{FF2B5EF4-FFF2-40B4-BE49-F238E27FC236}">
-                <a16:creationId xmlns:a16="http://schemas.microsoft.com/office/drawing/2014/main" id="{EE8E8394-C170-497E-A591-276276E4213C}"/>
+                <a16:creationId xmlns:a16="http://schemas.microsoft.com/office/drawing/2014/main" xmlns="" id="{EE8E8394-C170-497E-A591-276276E4213C}"/>
               </a:ext>
             </a:extLst>
           </p:cNvPr>
@@ -3961,7 +3963,7 @@
           <p:cNvPr id="2" name="Title 1">
             <a:extLst>
               <a:ext uri="{FF2B5EF4-FFF2-40B4-BE49-F238E27FC236}">
-                <a16:creationId xmlns:a16="http://schemas.microsoft.com/office/drawing/2014/main" id="{57DC640B-6A45-44F5-8AC6-F8D628399A32}"/>
+                <a16:creationId xmlns:a16="http://schemas.microsoft.com/office/drawing/2014/main" xmlns="" id="{57DC640B-6A45-44F5-8AC6-F8D628399A32}"/>
               </a:ext>
             </a:extLst>
           </p:cNvPr>
@@ -3986,7 +3988,7 @@
           <p:cNvPr id="3" name="Content Placeholder 2">
             <a:extLst>
               <a:ext uri="{FF2B5EF4-FFF2-40B4-BE49-F238E27FC236}">
-                <a16:creationId xmlns:a16="http://schemas.microsoft.com/office/drawing/2014/main" id="{A350A6CB-B159-41D0-B0BC-EF74B67726AA}"/>
+                <a16:creationId xmlns:a16="http://schemas.microsoft.com/office/drawing/2014/main" xmlns="" id="{A350A6CB-B159-41D0-B0BC-EF74B67726AA}"/>
               </a:ext>
             </a:extLst>
           </p:cNvPr>
@@ -4011,7 +4013,7 @@
           <p:cNvPr id="4" name="Picture 3">
             <a:extLst>
               <a:ext uri="{FF2B5EF4-FFF2-40B4-BE49-F238E27FC236}">
-                <a16:creationId xmlns:a16="http://schemas.microsoft.com/office/drawing/2014/main" id="{EE8E8394-C170-497E-A591-276276E4213C}"/>
+                <a16:creationId xmlns:a16="http://schemas.microsoft.com/office/drawing/2014/main" xmlns="" id="{EE8E8394-C170-497E-A591-276276E4213C}"/>
               </a:ext>
             </a:extLst>
           </p:cNvPr>
@@ -4041,7 +4043,7 @@
           <p:cNvPr id="5" name="Picture 4">
             <a:extLst>
               <a:ext uri="{FF2B5EF4-FFF2-40B4-BE49-F238E27FC236}">
-                <a16:creationId xmlns:a16="http://schemas.microsoft.com/office/drawing/2014/main" id="{AFE8E80B-85C4-4D30-A44C-4E2373037AB6}"/>
+                <a16:creationId xmlns:a16="http://schemas.microsoft.com/office/drawing/2014/main" xmlns="" id="{AFE8E80B-85C4-4D30-A44C-4E2373037AB6}"/>
               </a:ext>
             </a:extLst>
           </p:cNvPr>
@@ -4101,7 +4103,7 @@
           <p:cNvPr id="2" name="Title 1">
             <a:extLst>
               <a:ext uri="{FF2B5EF4-FFF2-40B4-BE49-F238E27FC236}">
-                <a16:creationId xmlns:a16="http://schemas.microsoft.com/office/drawing/2014/main" id="{57DC640B-6A45-44F5-8AC6-F8D628399A32}"/>
+                <a16:creationId xmlns:a16="http://schemas.microsoft.com/office/drawing/2014/main" xmlns="" id="{57DC640B-6A45-44F5-8AC6-F8D628399A32}"/>
               </a:ext>
             </a:extLst>
           </p:cNvPr>
@@ -4126,7 +4128,7 @@
           <p:cNvPr id="3" name="Content Placeholder 2">
             <a:extLst>
               <a:ext uri="{FF2B5EF4-FFF2-40B4-BE49-F238E27FC236}">
-                <a16:creationId xmlns:a16="http://schemas.microsoft.com/office/drawing/2014/main" id="{A350A6CB-B159-41D0-B0BC-EF74B67726AA}"/>
+                <a16:creationId xmlns:a16="http://schemas.microsoft.com/office/drawing/2014/main" xmlns="" id="{A350A6CB-B159-41D0-B0BC-EF74B67726AA}"/>
               </a:ext>
             </a:extLst>
           </p:cNvPr>
@@ -4151,7 +4153,7 @@
           <p:cNvPr id="4" name="Picture 3">
             <a:extLst>
               <a:ext uri="{FF2B5EF4-FFF2-40B4-BE49-F238E27FC236}">
-                <a16:creationId xmlns:a16="http://schemas.microsoft.com/office/drawing/2014/main" id="{EE8E8394-C170-497E-A591-276276E4213C}"/>
+                <a16:creationId xmlns:a16="http://schemas.microsoft.com/office/drawing/2014/main" xmlns="" id="{EE8E8394-C170-497E-A591-276276E4213C}"/>
               </a:ext>
             </a:extLst>
           </p:cNvPr>
@@ -4181,7 +4183,7 @@
           <p:cNvPr id="5" name="Picture 4">
             <a:extLst>
               <a:ext uri="{FF2B5EF4-FFF2-40B4-BE49-F238E27FC236}">
-                <a16:creationId xmlns:a16="http://schemas.microsoft.com/office/drawing/2014/main" id="{AFE8E80B-85C4-4D30-A44C-4E2373037AB6}"/>
+                <a16:creationId xmlns:a16="http://schemas.microsoft.com/office/drawing/2014/main" xmlns="" id="{AFE8E80B-85C4-4D30-A44C-4E2373037AB6}"/>
               </a:ext>
             </a:extLst>
           </p:cNvPr>
@@ -4211,7 +4213,7 @@
           <p:cNvPr id="6" name="Picture 5">
             <a:extLst>
               <a:ext uri="{FF2B5EF4-FFF2-40B4-BE49-F238E27FC236}">
-                <a16:creationId xmlns:a16="http://schemas.microsoft.com/office/drawing/2014/main" id="{43C64F37-163D-43DC-B914-CE41318ECBE4}"/>
+                <a16:creationId xmlns:a16="http://schemas.microsoft.com/office/drawing/2014/main" xmlns="" id="{43C64F37-163D-43DC-B914-CE41318ECBE4}"/>
               </a:ext>
             </a:extLst>
           </p:cNvPr>
@@ -4271,7 +4273,7 @@
           <p:cNvPr id="2" name="Title 1">
             <a:extLst>
               <a:ext uri="{FF2B5EF4-FFF2-40B4-BE49-F238E27FC236}">
-                <a16:creationId xmlns:a16="http://schemas.microsoft.com/office/drawing/2014/main" id="{57DC640B-6A45-44F5-8AC6-F8D628399A32}"/>
+                <a16:creationId xmlns:a16="http://schemas.microsoft.com/office/drawing/2014/main" xmlns="" id="{57DC640B-6A45-44F5-8AC6-F8D628399A32}"/>
               </a:ext>
             </a:extLst>
           </p:cNvPr>
@@ -4296,7 +4298,7 @@
           <p:cNvPr id="3" name="Content Placeholder 2">
             <a:extLst>
               <a:ext uri="{FF2B5EF4-FFF2-40B4-BE49-F238E27FC236}">
-                <a16:creationId xmlns:a16="http://schemas.microsoft.com/office/drawing/2014/main" id="{A350A6CB-B159-41D0-B0BC-EF74B67726AA}"/>
+                <a16:creationId xmlns:a16="http://schemas.microsoft.com/office/drawing/2014/main" xmlns="" id="{A350A6CB-B159-41D0-B0BC-EF74B67726AA}"/>
               </a:ext>
             </a:extLst>
           </p:cNvPr>
@@ -4321,7 +4323,7 @@
           <p:cNvPr id="4" name="Picture 3">
             <a:extLst>
               <a:ext uri="{FF2B5EF4-FFF2-40B4-BE49-F238E27FC236}">
-                <a16:creationId xmlns:a16="http://schemas.microsoft.com/office/drawing/2014/main" id="{EE8E8394-C170-497E-A591-276276E4213C}"/>
+                <a16:creationId xmlns:a16="http://schemas.microsoft.com/office/drawing/2014/main" xmlns="" id="{EE8E8394-C170-497E-A591-276276E4213C}"/>
               </a:ext>
             </a:extLst>
           </p:cNvPr>
@@ -4351,7 +4353,7 @@
           <p:cNvPr id="5" name="Picture 4">
             <a:extLst>
               <a:ext uri="{FF2B5EF4-FFF2-40B4-BE49-F238E27FC236}">
-                <a16:creationId xmlns:a16="http://schemas.microsoft.com/office/drawing/2014/main" id="{AFE8E80B-85C4-4D30-A44C-4E2373037AB6}"/>
+                <a16:creationId xmlns:a16="http://schemas.microsoft.com/office/drawing/2014/main" xmlns="" id="{AFE8E80B-85C4-4D30-A44C-4E2373037AB6}"/>
               </a:ext>
             </a:extLst>
           </p:cNvPr>
@@ -4381,7 +4383,7 @@
           <p:cNvPr id="6" name="Picture 5">
             <a:extLst>
               <a:ext uri="{FF2B5EF4-FFF2-40B4-BE49-F238E27FC236}">
-                <a16:creationId xmlns:a16="http://schemas.microsoft.com/office/drawing/2014/main" id="{43C64F37-163D-43DC-B914-CE41318ECBE4}"/>
+                <a16:creationId xmlns:a16="http://schemas.microsoft.com/office/drawing/2014/main" xmlns="" id="{43C64F37-163D-43DC-B914-CE41318ECBE4}"/>
               </a:ext>
             </a:extLst>
           </p:cNvPr>
@@ -4411,7 +4413,7 @@
           <p:cNvPr id="7" name="Picture 6">
             <a:extLst>
               <a:ext uri="{FF2B5EF4-FFF2-40B4-BE49-F238E27FC236}">
-                <a16:creationId xmlns:a16="http://schemas.microsoft.com/office/drawing/2014/main" id="{2E88BDFA-7E40-430E-8EAA-9273C3DC3BD6}"/>
+                <a16:creationId xmlns:a16="http://schemas.microsoft.com/office/drawing/2014/main" xmlns="" id="{2E88BDFA-7E40-430E-8EAA-9273C3DC3BD6}"/>
               </a:ext>
             </a:extLst>
           </p:cNvPr>
@@ -4563,7 +4565,7 @@
           <p:cNvPr id="2" name="Title 1">
             <a:extLst>
               <a:ext uri="{FF2B5EF4-FFF2-40B4-BE49-F238E27FC236}">
-                <a16:creationId xmlns:a16="http://schemas.microsoft.com/office/drawing/2014/main" id="{EC7C414F-8029-4258-A24E-2F8D62F5DF60}"/>
+                <a16:creationId xmlns:a16="http://schemas.microsoft.com/office/drawing/2014/main" xmlns="" id="{EC7C414F-8029-4258-A24E-2F8D62F5DF60}"/>
               </a:ext>
             </a:extLst>
           </p:cNvPr>
@@ -4588,7 +4590,7 @@
           <p:cNvPr id="3" name="Content Placeholder 2">
             <a:extLst>
               <a:ext uri="{FF2B5EF4-FFF2-40B4-BE49-F238E27FC236}">
-                <a16:creationId xmlns:a16="http://schemas.microsoft.com/office/drawing/2014/main" id="{463FB9BA-EE01-45B6-BF0F-EF77646B66F4}"/>
+                <a16:creationId xmlns:a16="http://schemas.microsoft.com/office/drawing/2014/main" xmlns="" id="{463FB9BA-EE01-45B6-BF0F-EF77646B66F4}"/>
               </a:ext>
             </a:extLst>
           </p:cNvPr>
@@ -4613,7 +4615,7 @@
           <p:cNvPr id="4" name="Picture 3">
             <a:extLst>
               <a:ext uri="{FF2B5EF4-FFF2-40B4-BE49-F238E27FC236}">
-                <a16:creationId xmlns:a16="http://schemas.microsoft.com/office/drawing/2014/main" id="{5A1CA6EA-C8B4-4D35-B713-EF2412462DA7}"/>
+                <a16:creationId xmlns:a16="http://schemas.microsoft.com/office/drawing/2014/main" xmlns="" id="{5A1CA6EA-C8B4-4D35-B713-EF2412462DA7}"/>
               </a:ext>
             </a:extLst>
           </p:cNvPr>
@@ -4643,7 +4645,7 @@
           <p:cNvPr id="6" name="Picture 5">
             <a:extLst>
               <a:ext uri="{FF2B5EF4-FFF2-40B4-BE49-F238E27FC236}">
-                <a16:creationId xmlns:a16="http://schemas.microsoft.com/office/drawing/2014/main" id="{94B14385-103B-4A75-9EA1-6C339A6BBECA}"/>
+                <a16:creationId xmlns:a16="http://schemas.microsoft.com/office/drawing/2014/main" xmlns="" id="{94B14385-103B-4A75-9EA1-6C339A6BBECA}"/>
               </a:ext>
             </a:extLst>
           </p:cNvPr>
@@ -4673,7 +4675,7 @@
           <p:cNvPr id="7" name="Picture 6">
             <a:extLst>
               <a:ext uri="{FF2B5EF4-FFF2-40B4-BE49-F238E27FC236}">
-                <a16:creationId xmlns:a16="http://schemas.microsoft.com/office/drawing/2014/main" id="{C1F0139D-FF7D-40F1-BC44-59683BCD6561}"/>
+                <a16:creationId xmlns:a16="http://schemas.microsoft.com/office/drawing/2014/main" xmlns="" id="{C1F0139D-FF7D-40F1-BC44-59683BCD6561}"/>
               </a:ext>
             </a:extLst>
           </p:cNvPr>
@@ -5319,6 +5321,262 @@
 </p:sld>
 </file>
 
+<file path=ppt/slides/slide24.xml><?xml version="1.0" encoding="utf-8"?>
+<p:sld xmlns:a="http://schemas.openxmlformats.org/drawingml/2006/main" xmlns:r="http://schemas.openxmlformats.org/officeDocument/2006/relationships" xmlns:p="http://schemas.openxmlformats.org/presentationml/2006/main">
+  <p:cSld>
+    <p:spTree>
+      <p:nvGrpSpPr>
+        <p:cNvPr id="1" name=""/>
+        <p:cNvGrpSpPr/>
+        <p:nvPr/>
+      </p:nvGrpSpPr>
+      <p:grpSpPr>
+        <a:xfrm>
+          <a:off x="0" y="0"/>
+          <a:ext cx="0" cy="0"/>
+          <a:chOff x="0" y="0"/>
+          <a:chExt cx="0" cy="0"/>
+        </a:xfrm>
+      </p:grpSpPr>
+      <p:sp>
+        <p:nvSpPr>
+          <p:cNvPr id="2" name="Title 1"/>
+          <p:cNvSpPr>
+            <a:spLocks noGrp="1"/>
+          </p:cNvSpPr>
+          <p:nvPr>
+            <p:ph type="title"/>
+          </p:nvPr>
+        </p:nvSpPr>
+        <p:spPr/>
+        <p:txBody>
+          <a:bodyPr/>
+          <a:lstStyle/>
+          <a:p>
+            <a:endParaRPr lang="en-US"/>
+          </a:p>
+        </p:txBody>
+      </p:sp>
+      <p:sp>
+        <p:nvSpPr>
+          <p:cNvPr id="3" name="Content Placeholder 2"/>
+          <p:cNvSpPr>
+            <a:spLocks noGrp="1"/>
+          </p:cNvSpPr>
+          <p:nvPr>
+            <p:ph idx="1"/>
+          </p:nvPr>
+        </p:nvSpPr>
+        <p:spPr/>
+        <p:txBody>
+          <a:bodyPr/>
+          <a:lstStyle/>
+          <a:p>
+            <a:endParaRPr lang="en-US"/>
+          </a:p>
+        </p:txBody>
+      </p:sp>
+      <p:pic>
+        <p:nvPicPr>
+          <p:cNvPr id="4" name="Picture 3"/>
+          <p:cNvPicPr>
+            <a:picLocks noChangeAspect="1"/>
+          </p:cNvPicPr>
+          <p:nvPr/>
+        </p:nvPicPr>
+        <p:blipFill>
+          <a:blip r:embed="rId2"/>
+          <a:stretch>
+            <a:fillRect/>
+          </a:stretch>
+        </p:blipFill>
+        <p:spPr>
+          <a:xfrm>
+            <a:off x="628650" y="365126"/>
+            <a:ext cx="7886700" cy="2365024"/>
+          </a:xfrm>
+          <a:prstGeom prst="rect">
+            <a:avLst/>
+          </a:prstGeom>
+        </p:spPr>
+      </p:pic>
+      <p:pic>
+        <p:nvPicPr>
+          <p:cNvPr id="5" name="Picture 4"/>
+          <p:cNvPicPr>
+            <a:picLocks noChangeAspect="1"/>
+          </p:cNvPicPr>
+          <p:nvPr/>
+        </p:nvPicPr>
+        <p:blipFill>
+          <a:blip r:embed="rId3"/>
+          <a:stretch>
+            <a:fillRect/>
+          </a:stretch>
+        </p:blipFill>
+        <p:spPr>
+          <a:xfrm>
+            <a:off x="628650" y="2865086"/>
+            <a:ext cx="7886700" cy="1015797"/>
+          </a:xfrm>
+          <a:prstGeom prst="rect">
+            <a:avLst/>
+          </a:prstGeom>
+        </p:spPr>
+      </p:pic>
+      <p:pic>
+        <p:nvPicPr>
+          <p:cNvPr id="6" name="Picture 5"/>
+          <p:cNvPicPr>
+            <a:picLocks noChangeAspect="1"/>
+          </p:cNvPicPr>
+          <p:nvPr/>
+        </p:nvPicPr>
+        <p:blipFill>
+          <a:blip r:embed="rId4"/>
+          <a:stretch>
+            <a:fillRect/>
+          </a:stretch>
+        </p:blipFill>
+        <p:spPr>
+          <a:xfrm>
+            <a:off x="628650" y="4306813"/>
+            <a:ext cx="7886700" cy="1830590"/>
+          </a:xfrm>
+          <a:prstGeom prst="rect">
+            <a:avLst/>
+          </a:prstGeom>
+        </p:spPr>
+      </p:pic>
+    </p:spTree>
+    <p:extLst>
+      <p:ext uri="{BB962C8B-B14F-4D97-AF65-F5344CB8AC3E}">
+        <p14:creationId xmlns:p14="http://schemas.microsoft.com/office/powerpoint/2010/main" val="244723221"/>
+      </p:ext>
+    </p:extLst>
+  </p:cSld>
+  <p:clrMapOvr>
+    <a:masterClrMapping/>
+  </p:clrMapOvr>
+</p:sld>
+</file>
+
+<file path=ppt/slides/slide25.xml><?xml version="1.0" encoding="utf-8"?>
+<p:sld xmlns:a="http://schemas.openxmlformats.org/drawingml/2006/main" xmlns:r="http://schemas.openxmlformats.org/officeDocument/2006/relationships" xmlns:p="http://schemas.openxmlformats.org/presentationml/2006/main">
+  <p:cSld>
+    <p:spTree>
+      <p:nvGrpSpPr>
+        <p:cNvPr id="1" name=""/>
+        <p:cNvGrpSpPr/>
+        <p:nvPr/>
+      </p:nvGrpSpPr>
+      <p:grpSpPr>
+        <a:xfrm>
+          <a:off x="0" y="0"/>
+          <a:ext cx="0" cy="0"/>
+          <a:chOff x="0" y="0"/>
+          <a:chExt cx="0" cy="0"/>
+        </a:xfrm>
+      </p:grpSpPr>
+      <p:sp>
+        <p:nvSpPr>
+          <p:cNvPr id="2" name="Title 1"/>
+          <p:cNvSpPr>
+            <a:spLocks noGrp="1"/>
+          </p:cNvSpPr>
+          <p:nvPr>
+            <p:ph type="title"/>
+          </p:nvPr>
+        </p:nvSpPr>
+        <p:spPr/>
+        <p:txBody>
+          <a:bodyPr/>
+          <a:lstStyle/>
+          <a:p>
+            <a:endParaRPr lang="en-US"/>
+          </a:p>
+        </p:txBody>
+      </p:sp>
+      <p:sp>
+        <p:nvSpPr>
+          <p:cNvPr id="3" name="Content Placeholder 2"/>
+          <p:cNvSpPr>
+            <a:spLocks noGrp="1"/>
+          </p:cNvSpPr>
+          <p:nvPr>
+            <p:ph idx="1"/>
+          </p:nvPr>
+        </p:nvSpPr>
+        <p:spPr/>
+        <p:txBody>
+          <a:bodyPr/>
+          <a:lstStyle/>
+          <a:p>
+            <a:endParaRPr lang="en-US"/>
+          </a:p>
+        </p:txBody>
+      </p:sp>
+      <p:pic>
+        <p:nvPicPr>
+          <p:cNvPr id="4" name="Picture 3"/>
+          <p:cNvPicPr>
+            <a:picLocks noChangeAspect="1"/>
+          </p:cNvPicPr>
+          <p:nvPr/>
+        </p:nvPicPr>
+        <p:blipFill>
+          <a:blip r:embed="rId2"/>
+          <a:stretch>
+            <a:fillRect/>
+          </a:stretch>
+        </p:blipFill>
+        <p:spPr>
+          <a:xfrm>
+            <a:off x="628650" y="411875"/>
+            <a:ext cx="7886700" cy="3597938"/>
+          </a:xfrm>
+          <a:prstGeom prst="rect">
+            <a:avLst/>
+          </a:prstGeom>
+        </p:spPr>
+      </p:pic>
+      <p:pic>
+        <p:nvPicPr>
+          <p:cNvPr id="5" name="Picture 4"/>
+          <p:cNvPicPr>
+            <a:picLocks noChangeAspect="1"/>
+          </p:cNvPicPr>
+          <p:nvPr/>
+        </p:nvPicPr>
+        <p:blipFill>
+          <a:blip r:embed="rId3"/>
+          <a:stretch>
+            <a:fillRect/>
+          </a:stretch>
+        </p:blipFill>
+        <p:spPr>
+          <a:xfrm>
+            <a:off x="5572543" y="4056562"/>
+            <a:ext cx="3098948" cy="2583750"/>
+          </a:xfrm>
+          <a:prstGeom prst="rect">
+            <a:avLst/>
+          </a:prstGeom>
+        </p:spPr>
+      </p:pic>
+    </p:spTree>
+    <p:extLst>
+      <p:ext uri="{BB962C8B-B14F-4D97-AF65-F5344CB8AC3E}">
+        <p14:creationId xmlns:p14="http://schemas.microsoft.com/office/powerpoint/2010/main" val="3009591851"/>
+      </p:ext>
+    </p:extLst>
+  </p:cSld>
+  <p:clrMapOvr>
+    <a:masterClrMapping/>
+  </p:clrMapOvr>
+</p:sld>
+</file>
+
 <file path=ppt/slides/slide3.xml><?xml version="1.0" encoding="utf-8"?>
 <p:sld xmlns:a="http://schemas.openxmlformats.org/drawingml/2006/main" xmlns:r="http://schemas.openxmlformats.org/officeDocument/2006/relationships" xmlns:p="http://schemas.openxmlformats.org/presentationml/2006/main">
   <p:cSld>
@@ -5341,7 +5599,7 @@
           <p:cNvPr id="2" name="Title 1">
             <a:extLst>
               <a:ext uri="{FF2B5EF4-FFF2-40B4-BE49-F238E27FC236}">
-                <a16:creationId xmlns:a16="http://schemas.microsoft.com/office/drawing/2014/main" id="{1AAEAA80-8724-4829-944C-DF8335704B7A}"/>
+                <a16:creationId xmlns:a16="http://schemas.microsoft.com/office/drawing/2014/main" xmlns="" id="{1AAEAA80-8724-4829-944C-DF8335704B7A}"/>
               </a:ext>
             </a:extLst>
           </p:cNvPr>
@@ -5366,7 +5624,7 @@
           <p:cNvPr id="3" name="Content Placeholder 2">
             <a:extLst>
               <a:ext uri="{FF2B5EF4-FFF2-40B4-BE49-F238E27FC236}">
-                <a16:creationId xmlns:a16="http://schemas.microsoft.com/office/drawing/2014/main" id="{31D55554-9010-4CA0-A8E4-DD14ECBFE150}"/>
+                <a16:creationId xmlns:a16="http://schemas.microsoft.com/office/drawing/2014/main" xmlns="" id="{31D55554-9010-4CA0-A8E4-DD14ECBFE150}"/>
               </a:ext>
             </a:extLst>
           </p:cNvPr>
@@ -5391,7 +5649,7 @@
           <p:cNvPr id="4" name="Picture 3">
             <a:extLst>
               <a:ext uri="{FF2B5EF4-FFF2-40B4-BE49-F238E27FC236}">
-                <a16:creationId xmlns:a16="http://schemas.microsoft.com/office/drawing/2014/main" id="{5725FD63-BB6A-4B05-BD29-ECB745CCCD4D}"/>
+                <a16:creationId xmlns:a16="http://schemas.microsoft.com/office/drawing/2014/main" xmlns="" id="{5725FD63-BB6A-4B05-BD29-ECB745CCCD4D}"/>
               </a:ext>
             </a:extLst>
           </p:cNvPr>
@@ -5451,7 +5709,7 @@
           <p:cNvPr id="2" name="Title 1">
             <a:extLst>
               <a:ext uri="{FF2B5EF4-FFF2-40B4-BE49-F238E27FC236}">
-                <a16:creationId xmlns:a16="http://schemas.microsoft.com/office/drawing/2014/main" id="{E9784516-19E7-4512-AF07-70F6ED06971B}"/>
+                <a16:creationId xmlns:a16="http://schemas.microsoft.com/office/drawing/2014/main" xmlns="" id="{E9784516-19E7-4512-AF07-70F6ED06971B}"/>
               </a:ext>
             </a:extLst>
           </p:cNvPr>
@@ -5476,7 +5734,7 @@
           <p:cNvPr id="3" name="Content Placeholder 2">
             <a:extLst>
               <a:ext uri="{FF2B5EF4-FFF2-40B4-BE49-F238E27FC236}">
-                <a16:creationId xmlns:a16="http://schemas.microsoft.com/office/drawing/2014/main" id="{A08694BE-5302-48E0-AAC3-585935CD897E}"/>
+                <a16:creationId xmlns:a16="http://schemas.microsoft.com/office/drawing/2014/main" xmlns="" id="{A08694BE-5302-48E0-AAC3-585935CD897E}"/>
               </a:ext>
             </a:extLst>
           </p:cNvPr>
@@ -5501,7 +5759,7 @@
           <p:cNvPr id="4" name="Picture 3">
             <a:extLst>
               <a:ext uri="{FF2B5EF4-FFF2-40B4-BE49-F238E27FC236}">
-                <a16:creationId xmlns:a16="http://schemas.microsoft.com/office/drawing/2014/main" id="{EF0A260D-D3F0-4646-8FBC-33AEF7A3643E}"/>
+                <a16:creationId xmlns:a16="http://schemas.microsoft.com/office/drawing/2014/main" xmlns="" id="{EF0A260D-D3F0-4646-8FBC-33AEF7A3643E}"/>
               </a:ext>
             </a:extLst>
           </p:cNvPr>
@@ -5561,7 +5819,7 @@
           <p:cNvPr id="2" name="Title 1">
             <a:extLst>
               <a:ext uri="{FF2B5EF4-FFF2-40B4-BE49-F238E27FC236}">
-                <a16:creationId xmlns:a16="http://schemas.microsoft.com/office/drawing/2014/main" id="{E9784516-19E7-4512-AF07-70F6ED06971B}"/>
+                <a16:creationId xmlns:a16="http://schemas.microsoft.com/office/drawing/2014/main" xmlns="" id="{E9784516-19E7-4512-AF07-70F6ED06971B}"/>
               </a:ext>
             </a:extLst>
           </p:cNvPr>
@@ -5586,7 +5844,7 @@
           <p:cNvPr id="3" name="Content Placeholder 2">
             <a:extLst>
               <a:ext uri="{FF2B5EF4-FFF2-40B4-BE49-F238E27FC236}">
-                <a16:creationId xmlns:a16="http://schemas.microsoft.com/office/drawing/2014/main" id="{A08694BE-5302-48E0-AAC3-585935CD897E}"/>
+                <a16:creationId xmlns:a16="http://schemas.microsoft.com/office/drawing/2014/main" xmlns="" id="{A08694BE-5302-48E0-AAC3-585935CD897E}"/>
               </a:ext>
             </a:extLst>
           </p:cNvPr>
@@ -5611,7 +5869,7 @@
           <p:cNvPr id="4" name="Picture 3">
             <a:extLst>
               <a:ext uri="{FF2B5EF4-FFF2-40B4-BE49-F238E27FC236}">
-                <a16:creationId xmlns:a16="http://schemas.microsoft.com/office/drawing/2014/main" id="{EF0A260D-D3F0-4646-8FBC-33AEF7A3643E}"/>
+                <a16:creationId xmlns:a16="http://schemas.microsoft.com/office/drawing/2014/main" xmlns="" id="{EF0A260D-D3F0-4646-8FBC-33AEF7A3643E}"/>
               </a:ext>
             </a:extLst>
           </p:cNvPr>
@@ -5641,7 +5899,7 @@
           <p:cNvPr id="5" name="Picture 4">
             <a:extLst>
               <a:ext uri="{FF2B5EF4-FFF2-40B4-BE49-F238E27FC236}">
-                <a16:creationId xmlns:a16="http://schemas.microsoft.com/office/drawing/2014/main" id="{759A12FB-F774-4A88-898C-894F95B2F469}"/>
+                <a16:creationId xmlns:a16="http://schemas.microsoft.com/office/drawing/2014/main" xmlns="" id="{759A12FB-F774-4A88-898C-894F95B2F469}"/>
               </a:ext>
             </a:extLst>
           </p:cNvPr>
@@ -5701,7 +5959,7 @@
           <p:cNvPr id="2" name="Title 1">
             <a:extLst>
               <a:ext uri="{FF2B5EF4-FFF2-40B4-BE49-F238E27FC236}">
-                <a16:creationId xmlns:a16="http://schemas.microsoft.com/office/drawing/2014/main" id="{E9784516-19E7-4512-AF07-70F6ED06971B}"/>
+                <a16:creationId xmlns:a16="http://schemas.microsoft.com/office/drawing/2014/main" xmlns="" id="{E9784516-19E7-4512-AF07-70F6ED06971B}"/>
               </a:ext>
             </a:extLst>
           </p:cNvPr>
@@ -5726,7 +5984,7 @@
           <p:cNvPr id="3" name="Content Placeholder 2">
             <a:extLst>
               <a:ext uri="{FF2B5EF4-FFF2-40B4-BE49-F238E27FC236}">
-                <a16:creationId xmlns:a16="http://schemas.microsoft.com/office/drawing/2014/main" id="{A08694BE-5302-48E0-AAC3-585935CD897E}"/>
+                <a16:creationId xmlns:a16="http://schemas.microsoft.com/office/drawing/2014/main" xmlns="" id="{A08694BE-5302-48E0-AAC3-585935CD897E}"/>
               </a:ext>
             </a:extLst>
           </p:cNvPr>
@@ -5751,7 +6009,7 @@
           <p:cNvPr id="4" name="Picture 3">
             <a:extLst>
               <a:ext uri="{FF2B5EF4-FFF2-40B4-BE49-F238E27FC236}">
-                <a16:creationId xmlns:a16="http://schemas.microsoft.com/office/drawing/2014/main" id="{EF0A260D-D3F0-4646-8FBC-33AEF7A3643E}"/>
+                <a16:creationId xmlns:a16="http://schemas.microsoft.com/office/drawing/2014/main" xmlns="" id="{EF0A260D-D3F0-4646-8FBC-33AEF7A3643E}"/>
               </a:ext>
             </a:extLst>
           </p:cNvPr>
@@ -5781,7 +6039,7 @@
           <p:cNvPr id="5" name="Picture 4">
             <a:extLst>
               <a:ext uri="{FF2B5EF4-FFF2-40B4-BE49-F238E27FC236}">
-                <a16:creationId xmlns:a16="http://schemas.microsoft.com/office/drawing/2014/main" id="{759A12FB-F774-4A88-898C-894F95B2F469}"/>
+                <a16:creationId xmlns:a16="http://schemas.microsoft.com/office/drawing/2014/main" xmlns="" id="{759A12FB-F774-4A88-898C-894F95B2F469}"/>
               </a:ext>
             </a:extLst>
           </p:cNvPr>
@@ -5811,7 +6069,7 @@
           <p:cNvPr id="6" name="Picture 5">
             <a:extLst>
               <a:ext uri="{FF2B5EF4-FFF2-40B4-BE49-F238E27FC236}">
-                <a16:creationId xmlns:a16="http://schemas.microsoft.com/office/drawing/2014/main" id="{B531B667-7EA3-434F-9C07-EF51EC495B6C}"/>
+                <a16:creationId xmlns:a16="http://schemas.microsoft.com/office/drawing/2014/main" xmlns="" id="{B531B667-7EA3-434F-9C07-EF51EC495B6C}"/>
               </a:ext>
             </a:extLst>
           </p:cNvPr>
@@ -5871,7 +6129,7 @@
           <p:cNvPr id="2" name="Title 1">
             <a:extLst>
               <a:ext uri="{FF2B5EF4-FFF2-40B4-BE49-F238E27FC236}">
-                <a16:creationId xmlns:a16="http://schemas.microsoft.com/office/drawing/2014/main" id="{83E144EE-6EAB-4785-841C-346079F4E936}"/>
+                <a16:creationId xmlns:a16="http://schemas.microsoft.com/office/drawing/2014/main" xmlns="" id="{83E144EE-6EAB-4785-841C-346079F4E936}"/>
               </a:ext>
             </a:extLst>
           </p:cNvPr>
@@ -5896,7 +6154,7 @@
           <p:cNvPr id="3" name="Content Placeholder 2">
             <a:extLst>
               <a:ext uri="{FF2B5EF4-FFF2-40B4-BE49-F238E27FC236}">
-                <a16:creationId xmlns:a16="http://schemas.microsoft.com/office/drawing/2014/main" id="{CB9AA820-0B87-4246-AA92-395096EC4A01}"/>
+                <a16:creationId xmlns:a16="http://schemas.microsoft.com/office/drawing/2014/main" xmlns="" id="{CB9AA820-0B87-4246-AA92-395096EC4A01}"/>
               </a:ext>
             </a:extLst>
           </p:cNvPr>
@@ -5921,7 +6179,7 @@
           <p:cNvPr id="4" name="Picture 3">
             <a:extLst>
               <a:ext uri="{FF2B5EF4-FFF2-40B4-BE49-F238E27FC236}">
-                <a16:creationId xmlns:a16="http://schemas.microsoft.com/office/drawing/2014/main" id="{97D55BDB-FB78-4533-A064-E1CF4082BFB3}"/>
+                <a16:creationId xmlns:a16="http://schemas.microsoft.com/office/drawing/2014/main" xmlns="" id="{97D55BDB-FB78-4533-A064-E1CF4082BFB3}"/>
               </a:ext>
             </a:extLst>
           </p:cNvPr>
@@ -5981,7 +6239,7 @@
           <p:cNvPr id="2" name="Title 1">
             <a:extLst>
               <a:ext uri="{FF2B5EF4-FFF2-40B4-BE49-F238E27FC236}">
-                <a16:creationId xmlns:a16="http://schemas.microsoft.com/office/drawing/2014/main" id="{83E144EE-6EAB-4785-841C-346079F4E936}"/>
+                <a16:creationId xmlns:a16="http://schemas.microsoft.com/office/drawing/2014/main" xmlns="" id="{83E144EE-6EAB-4785-841C-346079F4E936}"/>
               </a:ext>
             </a:extLst>
           </p:cNvPr>
@@ -6006,7 +6264,7 @@
           <p:cNvPr id="3" name="Content Placeholder 2">
             <a:extLst>
               <a:ext uri="{FF2B5EF4-FFF2-40B4-BE49-F238E27FC236}">
-                <a16:creationId xmlns:a16="http://schemas.microsoft.com/office/drawing/2014/main" id="{CB9AA820-0B87-4246-AA92-395096EC4A01}"/>
+                <a16:creationId xmlns:a16="http://schemas.microsoft.com/office/drawing/2014/main" xmlns="" id="{CB9AA820-0B87-4246-AA92-395096EC4A01}"/>
               </a:ext>
             </a:extLst>
           </p:cNvPr>
@@ -6031,7 +6289,7 @@
           <p:cNvPr id="4" name="Picture 3">
             <a:extLst>
               <a:ext uri="{FF2B5EF4-FFF2-40B4-BE49-F238E27FC236}">
-                <a16:creationId xmlns:a16="http://schemas.microsoft.com/office/drawing/2014/main" id="{97D55BDB-FB78-4533-A064-E1CF4082BFB3}"/>
+                <a16:creationId xmlns:a16="http://schemas.microsoft.com/office/drawing/2014/main" xmlns="" id="{97D55BDB-FB78-4533-A064-E1CF4082BFB3}"/>
               </a:ext>
             </a:extLst>
           </p:cNvPr>
@@ -6061,7 +6319,7 @@
           <p:cNvPr id="5" name="Picture 4">
             <a:extLst>
               <a:ext uri="{FF2B5EF4-FFF2-40B4-BE49-F238E27FC236}">
-                <a16:creationId xmlns:a16="http://schemas.microsoft.com/office/drawing/2014/main" id="{F23795FE-72CE-43BA-B6DA-E3E2F6297979}"/>
+                <a16:creationId xmlns:a16="http://schemas.microsoft.com/office/drawing/2014/main" xmlns="" id="{F23795FE-72CE-43BA-B6DA-E3E2F6297979}"/>
               </a:ext>
             </a:extLst>
           </p:cNvPr>
@@ -6121,7 +6379,7 @@
           <p:cNvPr id="2" name="Title 1">
             <a:extLst>
               <a:ext uri="{FF2B5EF4-FFF2-40B4-BE49-F238E27FC236}">
-                <a16:creationId xmlns:a16="http://schemas.microsoft.com/office/drawing/2014/main" id="{D2471832-460E-4AE2-8F41-5EA3BC5ABD9F}"/>
+                <a16:creationId xmlns:a16="http://schemas.microsoft.com/office/drawing/2014/main" xmlns="" id="{D2471832-460E-4AE2-8F41-5EA3BC5ABD9F}"/>
               </a:ext>
             </a:extLst>
           </p:cNvPr>
@@ -6146,7 +6404,7 @@
           <p:cNvPr id="3" name="Content Placeholder 2">
             <a:extLst>
               <a:ext uri="{FF2B5EF4-FFF2-40B4-BE49-F238E27FC236}">
-                <a16:creationId xmlns:a16="http://schemas.microsoft.com/office/drawing/2014/main" id="{E7F1981D-CE33-4D4D-A5B9-7EA5A709D8EE}"/>
+                <a16:creationId xmlns:a16="http://schemas.microsoft.com/office/drawing/2014/main" xmlns="" id="{E7F1981D-CE33-4D4D-A5B9-7EA5A709D8EE}"/>
               </a:ext>
             </a:extLst>
           </p:cNvPr>
@@ -6171,7 +6429,7 @@
           <p:cNvPr id="4" name="Picture 3">
             <a:extLst>
               <a:ext uri="{FF2B5EF4-FFF2-40B4-BE49-F238E27FC236}">
-                <a16:creationId xmlns:a16="http://schemas.microsoft.com/office/drawing/2014/main" id="{7DF03FCB-6088-442E-851D-AC3E5DE7E9DF}"/>
+                <a16:creationId xmlns:a16="http://schemas.microsoft.com/office/drawing/2014/main" xmlns="" id="{7DF03FCB-6088-442E-851D-AC3E5DE7E9DF}"/>
               </a:ext>
             </a:extLst>
           </p:cNvPr>
